--- a/Lectures/ppts/18. perceptrons_svm.pptx
+++ b/Lectures/ppts/18. perceptrons_svm.pptx
@@ -369,6 +369,11 @@
       </a:defRPr>
     </a:lvl9pPr>
   </p:defaultTextStyle>
+  <p:extLst>
+    <p:ext uri="{EFAFB233-063F-42B5-8137-9DF3F51BA10A}">
+      <p15:sldGuideLst xmlns:p15="http://schemas.microsoft.com/office/powerpoint/2012/main"/>
+    </p:ext>
+  </p:extLst>
 </p:presentation>
 </file>
 
@@ -2521,7 +2526,7 @@
           </a:ln>
           <a:extLst>
             <a:ext uri="{C572A759-6A51-4108-AA02-DFA0A04FC94B}">
-              <ma14:wrappingTextBoxFlag xmlns:ma14="http://schemas.microsoft.com/office/mac/drawingml/2011/main" xmlns:a14="http://schemas.microsoft.com/office/drawing/2010/main" xmlns:m="http://schemas.openxmlformats.org/officeDocument/2006/math" xmlns="" val="1"/>
+              <ma14:wrappingTextBoxFlag xmlns="" xmlns:m="http://schemas.openxmlformats.org/officeDocument/2006/math" xmlns:a14="http://schemas.microsoft.com/office/drawing/2010/main" xmlns:ma14="http://schemas.microsoft.com/office/mac/drawingml/2011/main" val="1"/>
             </a:ext>
           </a:extLst>
         </p:spPr>
@@ -2559,7 +2564,7 @@
           </a:ln>
           <a:extLst>
             <a:ext uri="{C572A759-6A51-4108-AA02-DFA0A04FC94B}">
-              <ma14:wrappingTextBoxFlag xmlns:ma14="http://schemas.microsoft.com/office/mac/drawingml/2011/main" xmlns:a14="http://schemas.microsoft.com/office/drawing/2010/main" xmlns:m="http://schemas.openxmlformats.org/officeDocument/2006/math" xmlns="" val="1"/>
+              <ma14:wrappingTextBoxFlag xmlns="" xmlns:m="http://schemas.openxmlformats.org/officeDocument/2006/math" xmlns:a14="http://schemas.microsoft.com/office/drawing/2010/main" xmlns:ma14="http://schemas.microsoft.com/office/mac/drawingml/2011/main" val="1"/>
             </a:ext>
           </a:extLst>
         </p:spPr>
@@ -3405,7 +3410,7 @@
           </a:ln>
           <a:extLst>
             <a:ext uri="{C572A759-6A51-4108-AA02-DFA0A04FC94B}">
-              <ma14:wrappingTextBoxFlag xmlns:ma14="http://schemas.microsoft.com/office/mac/drawingml/2011/main" xmlns:a14="http://schemas.microsoft.com/office/drawing/2010/main" xmlns:m="http://schemas.openxmlformats.org/officeDocument/2006/math" xmlns="" val="1"/>
+              <ma14:wrappingTextBoxFlag xmlns="" xmlns:m="http://schemas.openxmlformats.org/officeDocument/2006/math" xmlns:a14="http://schemas.microsoft.com/office/drawing/2010/main" xmlns:ma14="http://schemas.microsoft.com/office/mac/drawingml/2011/main" val="1"/>
             </a:ext>
           </a:extLst>
         </p:spPr>
@@ -4127,7 +4132,7 @@
           </a:ln>
           <a:extLst>
             <a:ext uri="{C572A759-6A51-4108-AA02-DFA0A04FC94B}">
-              <ma14:wrappingTextBoxFlag xmlns:ma14="http://schemas.microsoft.com/office/mac/drawingml/2011/main" xmlns:a14="http://schemas.microsoft.com/office/drawing/2010/main" xmlns:m="http://schemas.openxmlformats.org/officeDocument/2006/math" xmlns="" val="1"/>
+              <ma14:wrappingTextBoxFlag xmlns="" xmlns:m="http://schemas.openxmlformats.org/officeDocument/2006/math" xmlns:a14="http://schemas.microsoft.com/office/drawing/2010/main" xmlns:ma14="http://schemas.microsoft.com/office/mac/drawingml/2011/main" val="1"/>
             </a:ext>
           </a:extLst>
         </p:spPr>
@@ -4263,7 +4268,7 @@
           </a:ln>
           <a:extLst>
             <a:ext uri="{C572A759-6A51-4108-AA02-DFA0A04FC94B}">
-              <ma14:wrappingTextBoxFlag xmlns:ma14="http://schemas.microsoft.com/office/mac/drawingml/2011/main" xmlns:a14="http://schemas.microsoft.com/office/drawing/2010/main" xmlns:m="http://schemas.openxmlformats.org/officeDocument/2006/math" xmlns="" val="1"/>
+              <ma14:wrappingTextBoxFlag xmlns="" xmlns:m="http://schemas.openxmlformats.org/officeDocument/2006/math" xmlns:a14="http://schemas.microsoft.com/office/drawing/2010/main" xmlns:ma14="http://schemas.microsoft.com/office/mac/drawingml/2011/main" val="1"/>
             </a:ext>
           </a:extLst>
         </p:spPr>
@@ -4826,7 +4831,7 @@
           </a:ln>
           <a:extLst>
             <a:ext uri="{C572A759-6A51-4108-AA02-DFA0A04FC94B}">
-              <ma14:wrappingTextBoxFlag xmlns:ma14="http://schemas.microsoft.com/office/mac/drawingml/2011/main" xmlns:a14="http://schemas.microsoft.com/office/drawing/2010/main" xmlns:m="http://schemas.openxmlformats.org/officeDocument/2006/math" xmlns="" val="1"/>
+              <ma14:wrappingTextBoxFlag xmlns="" xmlns:m="http://schemas.openxmlformats.org/officeDocument/2006/math" xmlns:a14="http://schemas.microsoft.com/office/drawing/2010/main" xmlns:ma14="http://schemas.microsoft.com/office/mac/drawingml/2011/main" val="1"/>
             </a:ext>
           </a:extLst>
         </p:spPr>
@@ -5101,7 +5106,7 @@
           </a:ln>
           <a:extLst>
             <a:ext uri="{C572A759-6A51-4108-AA02-DFA0A04FC94B}">
-              <ma14:wrappingTextBoxFlag xmlns:ma14="http://schemas.microsoft.com/office/mac/drawingml/2011/main" xmlns:a14="http://schemas.microsoft.com/office/drawing/2010/main" xmlns:m="http://schemas.openxmlformats.org/officeDocument/2006/math" xmlns="" val="1"/>
+              <ma14:wrappingTextBoxFlag xmlns="" xmlns:m="http://schemas.openxmlformats.org/officeDocument/2006/math" xmlns:a14="http://schemas.microsoft.com/office/drawing/2010/main" xmlns:ma14="http://schemas.microsoft.com/office/mac/drawingml/2011/main" val="1"/>
             </a:ext>
           </a:extLst>
         </p:spPr>
@@ -5150,7 +5155,7 @@
           </a:ln>
           <a:extLst>
             <a:ext uri="{C572A759-6A51-4108-AA02-DFA0A04FC94B}">
-              <ma14:wrappingTextBoxFlag xmlns:ma14="http://schemas.microsoft.com/office/mac/drawingml/2011/main" xmlns:a14="http://schemas.microsoft.com/office/drawing/2010/main" xmlns:m="http://schemas.openxmlformats.org/officeDocument/2006/math" xmlns="" val="1"/>
+              <ma14:wrappingTextBoxFlag xmlns="" xmlns:m="http://schemas.openxmlformats.org/officeDocument/2006/math" xmlns:a14="http://schemas.microsoft.com/office/drawing/2010/main" xmlns:ma14="http://schemas.microsoft.com/office/mac/drawingml/2011/main" val="1"/>
             </a:ext>
           </a:extLst>
         </p:spPr>
@@ -5204,7 +5209,7 @@
           </a:ln>
           <a:extLst>
             <a:ext uri="{C572A759-6A51-4108-AA02-DFA0A04FC94B}">
-              <ma14:wrappingTextBoxFlag xmlns:ma14="http://schemas.microsoft.com/office/mac/drawingml/2011/main" xmlns:a14="http://schemas.microsoft.com/office/drawing/2010/main" xmlns:m="http://schemas.openxmlformats.org/officeDocument/2006/math" xmlns="" val="1"/>
+              <ma14:wrappingTextBoxFlag xmlns="" xmlns:m="http://schemas.openxmlformats.org/officeDocument/2006/math" xmlns:a14="http://schemas.microsoft.com/office/drawing/2010/main" xmlns:ma14="http://schemas.microsoft.com/office/mac/drawingml/2011/main" val="1"/>
             </a:ext>
           </a:extLst>
         </p:spPr>
@@ -5326,7 +5331,7 @@
           </a:ln>
           <a:extLst>
             <a:ext uri="{C572A759-6A51-4108-AA02-DFA0A04FC94B}">
-              <ma14:wrappingTextBoxFlag xmlns:ma14="http://schemas.microsoft.com/office/mac/drawingml/2011/main" xmlns:a14="http://schemas.microsoft.com/office/drawing/2010/main" xmlns:m="http://schemas.openxmlformats.org/officeDocument/2006/math" xmlns="" val="1"/>
+              <ma14:wrappingTextBoxFlag xmlns="" xmlns:m="http://schemas.openxmlformats.org/officeDocument/2006/math" xmlns:a14="http://schemas.microsoft.com/office/drawing/2010/main" xmlns:ma14="http://schemas.microsoft.com/office/mac/drawingml/2011/main" val="1"/>
             </a:ext>
           </a:extLst>
         </p:spPr>
@@ -5448,7 +5453,7 @@
           </a:ln>
           <a:extLst>
             <a:ext uri="{C572A759-6A51-4108-AA02-DFA0A04FC94B}">
-              <ma14:wrappingTextBoxFlag xmlns:ma14="http://schemas.microsoft.com/office/mac/drawingml/2011/main" xmlns:a14="http://schemas.microsoft.com/office/drawing/2010/main" xmlns:m="http://schemas.openxmlformats.org/officeDocument/2006/math" xmlns="" val="1"/>
+              <ma14:wrappingTextBoxFlag xmlns="" xmlns:m="http://schemas.openxmlformats.org/officeDocument/2006/math" xmlns:a14="http://schemas.microsoft.com/office/drawing/2010/main" xmlns:ma14="http://schemas.microsoft.com/office/mac/drawingml/2011/main" val="1"/>
             </a:ext>
           </a:extLst>
         </p:spPr>
@@ -5575,7 +5580,7 @@
           </a:ln>
           <a:extLst>
             <a:ext uri="{C572A759-6A51-4108-AA02-DFA0A04FC94B}">
-              <ma14:wrappingTextBoxFlag xmlns:ma14="http://schemas.microsoft.com/office/mac/drawingml/2011/main" xmlns:a14="http://schemas.microsoft.com/office/drawing/2010/main" xmlns:m="http://schemas.openxmlformats.org/officeDocument/2006/math" xmlns="" val="1"/>
+              <ma14:wrappingTextBoxFlag xmlns="" xmlns:m="http://schemas.openxmlformats.org/officeDocument/2006/math" xmlns:a14="http://schemas.microsoft.com/office/drawing/2010/main" xmlns:ma14="http://schemas.microsoft.com/office/mac/drawingml/2011/main" val="1"/>
             </a:ext>
           </a:extLst>
         </p:spPr>
@@ -5752,7 +5757,7 @@
           </a:ln>
           <a:extLst>
             <a:ext uri="{C572A759-6A51-4108-AA02-DFA0A04FC94B}">
-              <ma14:wrappingTextBoxFlag xmlns:ma14="http://schemas.microsoft.com/office/mac/drawingml/2011/main" xmlns:a14="http://schemas.microsoft.com/office/drawing/2010/main" xmlns:m="http://schemas.openxmlformats.org/officeDocument/2006/math" xmlns="" val="1"/>
+              <ma14:wrappingTextBoxFlag xmlns="" xmlns:m="http://schemas.openxmlformats.org/officeDocument/2006/math" xmlns:a14="http://schemas.microsoft.com/office/drawing/2010/main" xmlns:ma14="http://schemas.microsoft.com/office/mac/drawingml/2011/main" val="1"/>
             </a:ext>
           </a:extLst>
         </p:spPr>
@@ -6277,7 +6282,7 @@
           </a:ln>
           <a:extLst>
             <a:ext uri="{C572A759-6A51-4108-AA02-DFA0A04FC94B}">
-              <ma14:wrappingTextBoxFlag xmlns:ma14="http://schemas.microsoft.com/office/mac/drawingml/2011/main" xmlns:a14="http://schemas.microsoft.com/office/drawing/2010/main" xmlns:m="http://schemas.openxmlformats.org/officeDocument/2006/math" xmlns="" val="1"/>
+              <ma14:wrappingTextBoxFlag xmlns="" xmlns:m="http://schemas.openxmlformats.org/officeDocument/2006/math" xmlns:a14="http://schemas.microsoft.com/office/drawing/2010/main" xmlns:ma14="http://schemas.microsoft.com/office/mac/drawingml/2011/main" val="1"/>
             </a:ext>
           </a:extLst>
         </p:spPr>
@@ -6555,7 +6560,7 @@
           </a:ln>
           <a:extLst>
             <a:ext uri="{C572A759-6A51-4108-AA02-DFA0A04FC94B}">
-              <ma14:wrappingTextBoxFlag xmlns:ma14="http://schemas.microsoft.com/office/mac/drawingml/2011/main" xmlns:a14="http://schemas.microsoft.com/office/drawing/2010/main" xmlns:m="http://schemas.openxmlformats.org/officeDocument/2006/math" xmlns="" val="1"/>
+              <ma14:wrappingTextBoxFlag xmlns="" xmlns:m="http://schemas.openxmlformats.org/officeDocument/2006/math" xmlns:a14="http://schemas.microsoft.com/office/drawing/2010/main" xmlns:ma14="http://schemas.microsoft.com/office/mac/drawingml/2011/main" val="1"/>
             </a:ext>
           </a:extLst>
         </p:spPr>
@@ -6845,7 +6850,7 @@
           </a:ln>
           <a:extLst>
             <a:ext uri="{C572A759-6A51-4108-AA02-DFA0A04FC94B}">
-              <ma14:wrappingTextBoxFlag xmlns:ma14="http://schemas.microsoft.com/office/mac/drawingml/2011/main" xmlns:a14="http://schemas.microsoft.com/office/drawing/2010/main" xmlns:m="http://schemas.openxmlformats.org/officeDocument/2006/math" xmlns="" val="1"/>
+              <ma14:wrappingTextBoxFlag xmlns="" xmlns:m="http://schemas.openxmlformats.org/officeDocument/2006/math" xmlns:a14="http://schemas.microsoft.com/office/drawing/2010/main" xmlns:ma14="http://schemas.microsoft.com/office/mac/drawingml/2011/main" val="1"/>
             </a:ext>
           </a:extLst>
         </p:spPr>
@@ -7216,7 +7221,7 @@
           </a:ln>
           <a:extLst>
             <a:ext uri="{C572A759-6A51-4108-AA02-DFA0A04FC94B}">
-              <ma14:wrappingTextBoxFlag xmlns:ma14="http://schemas.microsoft.com/office/mac/drawingml/2011/main" xmlns:a14="http://schemas.microsoft.com/office/drawing/2010/main" xmlns:m="http://schemas.openxmlformats.org/officeDocument/2006/math" xmlns="" val="1"/>
+              <ma14:wrappingTextBoxFlag xmlns="" xmlns:m="http://schemas.openxmlformats.org/officeDocument/2006/math" xmlns:a14="http://schemas.microsoft.com/office/drawing/2010/main" xmlns:ma14="http://schemas.microsoft.com/office/mac/drawingml/2011/main" val="1"/>
             </a:ext>
           </a:extLst>
         </p:spPr>
@@ -7301,7 +7306,7 @@
           </a:ln>
           <a:extLst>
             <a:ext uri="{C572A759-6A51-4108-AA02-DFA0A04FC94B}">
-              <ma14:wrappingTextBoxFlag xmlns:ma14="http://schemas.microsoft.com/office/mac/drawingml/2011/main" xmlns:a14="http://schemas.microsoft.com/office/drawing/2010/main" xmlns:m="http://schemas.openxmlformats.org/officeDocument/2006/math" xmlns="" val="1"/>
+              <ma14:wrappingTextBoxFlag xmlns="" xmlns:m="http://schemas.openxmlformats.org/officeDocument/2006/math" xmlns:a14="http://schemas.microsoft.com/office/drawing/2010/main" xmlns:ma14="http://schemas.microsoft.com/office/mac/drawingml/2011/main" val="1"/>
             </a:ext>
           </a:extLst>
         </p:spPr>
@@ -7356,7 +7361,7 @@
           </a:ln>
           <a:extLst>
             <a:ext uri="{C572A759-6A51-4108-AA02-DFA0A04FC94B}">
-              <ma14:wrappingTextBoxFlag xmlns:ma14="http://schemas.microsoft.com/office/mac/drawingml/2011/main" xmlns:a14="http://schemas.microsoft.com/office/drawing/2010/main" xmlns:m="http://schemas.openxmlformats.org/officeDocument/2006/math" xmlns="" val="1"/>
+              <ma14:wrappingTextBoxFlag xmlns="" xmlns:m="http://schemas.openxmlformats.org/officeDocument/2006/math" xmlns:a14="http://schemas.microsoft.com/office/drawing/2010/main" xmlns:ma14="http://schemas.microsoft.com/office/mac/drawingml/2011/main" val="1"/>
             </a:ext>
           </a:extLst>
         </p:spPr>
@@ -7499,7 +7504,7 @@
           </a:ln>
           <a:extLst>
             <a:ext uri="{C572A759-6A51-4108-AA02-DFA0A04FC94B}">
-              <ma14:wrappingTextBoxFlag xmlns:ma14="http://schemas.microsoft.com/office/mac/drawingml/2011/main" xmlns:a14="http://schemas.microsoft.com/office/drawing/2010/main" xmlns:m="http://schemas.openxmlformats.org/officeDocument/2006/math" xmlns="" val="1"/>
+              <ma14:wrappingTextBoxFlag xmlns="" xmlns:m="http://schemas.openxmlformats.org/officeDocument/2006/math" xmlns:a14="http://schemas.microsoft.com/office/drawing/2010/main" xmlns:ma14="http://schemas.microsoft.com/office/mac/drawingml/2011/main" val="1"/>
             </a:ext>
           </a:extLst>
         </p:spPr>
@@ -7554,7 +7559,7 @@
           </a:ln>
           <a:extLst>
             <a:ext uri="{C572A759-6A51-4108-AA02-DFA0A04FC94B}">
-              <ma14:wrappingTextBoxFlag xmlns:ma14="http://schemas.microsoft.com/office/mac/drawingml/2011/main" xmlns:a14="http://schemas.microsoft.com/office/drawing/2010/main" xmlns:m="http://schemas.openxmlformats.org/officeDocument/2006/math" xmlns="" val="1"/>
+              <ma14:wrappingTextBoxFlag xmlns="" xmlns:m="http://schemas.openxmlformats.org/officeDocument/2006/math" xmlns:a14="http://schemas.microsoft.com/office/drawing/2010/main" xmlns:ma14="http://schemas.microsoft.com/office/mac/drawingml/2011/main" val="1"/>
             </a:ext>
           </a:extLst>
         </p:spPr>
@@ -7612,7 +7617,7 @@
           </a:ln>
           <a:extLst>
             <a:ext uri="{C572A759-6A51-4108-AA02-DFA0A04FC94B}">
-              <ma14:wrappingTextBoxFlag xmlns:ma14="http://schemas.microsoft.com/office/mac/drawingml/2011/main" xmlns:a14="http://schemas.microsoft.com/office/drawing/2010/main" xmlns:m="http://schemas.openxmlformats.org/officeDocument/2006/math" xmlns="" val="1"/>
+              <ma14:wrappingTextBoxFlag xmlns="" xmlns:m="http://schemas.openxmlformats.org/officeDocument/2006/math" xmlns:a14="http://schemas.microsoft.com/office/drawing/2010/main" xmlns:ma14="http://schemas.microsoft.com/office/mac/drawingml/2011/main" val="1"/>
             </a:ext>
           </a:extLst>
         </p:spPr>
@@ -7866,7 +7871,7 @@
           </a:ln>
           <a:extLst>
             <a:ext uri="{C572A759-6A51-4108-AA02-DFA0A04FC94B}">
-              <ma14:wrappingTextBoxFlag xmlns:ma14="http://schemas.microsoft.com/office/mac/drawingml/2011/main" xmlns:a14="http://schemas.microsoft.com/office/drawing/2010/main" xmlns:m="http://schemas.openxmlformats.org/officeDocument/2006/math" xmlns="" val="1"/>
+              <ma14:wrappingTextBoxFlag xmlns="" xmlns:m="http://schemas.openxmlformats.org/officeDocument/2006/math" xmlns:a14="http://schemas.microsoft.com/office/drawing/2010/main" xmlns:ma14="http://schemas.microsoft.com/office/mac/drawingml/2011/main" val="1"/>
             </a:ext>
           </a:extLst>
         </p:spPr>
@@ -7951,7 +7956,7 @@
           </a:ln>
           <a:extLst>
             <a:ext uri="{C572A759-6A51-4108-AA02-DFA0A04FC94B}">
-              <ma14:wrappingTextBoxFlag xmlns:ma14="http://schemas.microsoft.com/office/mac/drawingml/2011/main" xmlns:a14="http://schemas.microsoft.com/office/drawing/2010/main" xmlns:m="http://schemas.openxmlformats.org/officeDocument/2006/math" xmlns="" val="1"/>
+              <ma14:wrappingTextBoxFlag xmlns="" xmlns:m="http://schemas.openxmlformats.org/officeDocument/2006/math" xmlns:a14="http://schemas.microsoft.com/office/drawing/2010/main" xmlns:ma14="http://schemas.microsoft.com/office/mac/drawingml/2011/main" val="1"/>
             </a:ext>
           </a:extLst>
         </p:spPr>
@@ -8006,7 +8011,7 @@
           </a:ln>
           <a:extLst>
             <a:ext uri="{C572A759-6A51-4108-AA02-DFA0A04FC94B}">
-              <ma14:wrappingTextBoxFlag xmlns:ma14="http://schemas.microsoft.com/office/mac/drawingml/2011/main" xmlns:a14="http://schemas.microsoft.com/office/drawing/2010/main" xmlns:m="http://schemas.openxmlformats.org/officeDocument/2006/math" xmlns="" val="1"/>
+              <ma14:wrappingTextBoxFlag xmlns="" xmlns:m="http://schemas.openxmlformats.org/officeDocument/2006/math" xmlns:a14="http://schemas.microsoft.com/office/drawing/2010/main" xmlns:ma14="http://schemas.microsoft.com/office/mac/drawingml/2011/main" val="1"/>
             </a:ext>
           </a:extLst>
         </p:spPr>
@@ -8149,7 +8154,7 @@
           </a:ln>
           <a:extLst>
             <a:ext uri="{C572A759-6A51-4108-AA02-DFA0A04FC94B}">
-              <ma14:wrappingTextBoxFlag xmlns:ma14="http://schemas.microsoft.com/office/mac/drawingml/2011/main" xmlns:a14="http://schemas.microsoft.com/office/drawing/2010/main" xmlns:m="http://schemas.openxmlformats.org/officeDocument/2006/math" xmlns="" val="1"/>
+              <ma14:wrappingTextBoxFlag xmlns="" xmlns:m="http://schemas.openxmlformats.org/officeDocument/2006/math" xmlns:a14="http://schemas.microsoft.com/office/drawing/2010/main" xmlns:ma14="http://schemas.microsoft.com/office/mac/drawingml/2011/main" val="1"/>
             </a:ext>
           </a:extLst>
         </p:spPr>
@@ -8204,7 +8209,7 @@
           </a:ln>
           <a:extLst>
             <a:ext uri="{C572A759-6A51-4108-AA02-DFA0A04FC94B}">
-              <ma14:wrappingTextBoxFlag xmlns:ma14="http://schemas.microsoft.com/office/mac/drawingml/2011/main" xmlns:a14="http://schemas.microsoft.com/office/drawing/2010/main" xmlns:m="http://schemas.openxmlformats.org/officeDocument/2006/math" xmlns="" val="1"/>
+              <ma14:wrappingTextBoxFlag xmlns="" xmlns:m="http://schemas.openxmlformats.org/officeDocument/2006/math" xmlns:a14="http://schemas.microsoft.com/office/drawing/2010/main" xmlns:ma14="http://schemas.microsoft.com/office/mac/drawingml/2011/main" val="1"/>
             </a:ext>
           </a:extLst>
         </p:spPr>
@@ -8262,7 +8267,7 @@
           </a:ln>
           <a:extLst>
             <a:ext uri="{C572A759-6A51-4108-AA02-DFA0A04FC94B}">
-              <ma14:wrappingTextBoxFlag xmlns:ma14="http://schemas.microsoft.com/office/mac/drawingml/2011/main" xmlns:a14="http://schemas.microsoft.com/office/drawing/2010/main" xmlns:m="http://schemas.openxmlformats.org/officeDocument/2006/math" xmlns="" val="1"/>
+              <ma14:wrappingTextBoxFlag xmlns="" xmlns:m="http://schemas.openxmlformats.org/officeDocument/2006/math" xmlns:a14="http://schemas.microsoft.com/office/drawing/2010/main" xmlns:ma14="http://schemas.microsoft.com/office/mac/drawingml/2011/main" val="1"/>
             </a:ext>
           </a:extLst>
         </p:spPr>
@@ -8516,7 +8521,7 @@
           </a:ln>
           <a:extLst>
             <a:ext uri="{C572A759-6A51-4108-AA02-DFA0A04FC94B}">
-              <ma14:wrappingTextBoxFlag xmlns:ma14="http://schemas.microsoft.com/office/mac/drawingml/2011/main" xmlns:a14="http://schemas.microsoft.com/office/drawing/2010/main" xmlns:m="http://schemas.openxmlformats.org/officeDocument/2006/math" xmlns="" val="1"/>
+              <ma14:wrappingTextBoxFlag xmlns="" xmlns:m="http://schemas.openxmlformats.org/officeDocument/2006/math" xmlns:a14="http://schemas.microsoft.com/office/drawing/2010/main" xmlns:ma14="http://schemas.microsoft.com/office/mac/drawingml/2011/main" val="1"/>
             </a:ext>
           </a:extLst>
         </p:spPr>
@@ -8601,7 +8606,7 @@
           </a:ln>
           <a:extLst>
             <a:ext uri="{C572A759-6A51-4108-AA02-DFA0A04FC94B}">
-              <ma14:wrappingTextBoxFlag xmlns:ma14="http://schemas.microsoft.com/office/mac/drawingml/2011/main" xmlns:a14="http://schemas.microsoft.com/office/drawing/2010/main" xmlns:m="http://schemas.openxmlformats.org/officeDocument/2006/math" xmlns="" val="1"/>
+              <ma14:wrappingTextBoxFlag xmlns="" xmlns:m="http://schemas.openxmlformats.org/officeDocument/2006/math" xmlns:a14="http://schemas.microsoft.com/office/drawing/2010/main" xmlns:ma14="http://schemas.microsoft.com/office/mac/drawingml/2011/main" val="1"/>
             </a:ext>
           </a:extLst>
         </p:spPr>
@@ -8656,7 +8661,7 @@
           </a:ln>
           <a:extLst>
             <a:ext uri="{C572A759-6A51-4108-AA02-DFA0A04FC94B}">
-              <ma14:wrappingTextBoxFlag xmlns:ma14="http://schemas.microsoft.com/office/mac/drawingml/2011/main" xmlns:a14="http://schemas.microsoft.com/office/drawing/2010/main" xmlns:m="http://schemas.openxmlformats.org/officeDocument/2006/math" xmlns="" val="1"/>
+              <ma14:wrappingTextBoxFlag xmlns="" xmlns:m="http://schemas.openxmlformats.org/officeDocument/2006/math" xmlns:a14="http://schemas.microsoft.com/office/drawing/2010/main" xmlns:ma14="http://schemas.microsoft.com/office/mac/drawingml/2011/main" val="1"/>
             </a:ext>
           </a:extLst>
         </p:spPr>
@@ -8799,7 +8804,7 @@
           </a:ln>
           <a:extLst>
             <a:ext uri="{C572A759-6A51-4108-AA02-DFA0A04FC94B}">
-              <ma14:wrappingTextBoxFlag xmlns:ma14="http://schemas.microsoft.com/office/mac/drawingml/2011/main" xmlns:a14="http://schemas.microsoft.com/office/drawing/2010/main" xmlns:m="http://schemas.openxmlformats.org/officeDocument/2006/math" xmlns="" val="1"/>
+              <ma14:wrappingTextBoxFlag xmlns="" xmlns:m="http://schemas.openxmlformats.org/officeDocument/2006/math" xmlns:a14="http://schemas.microsoft.com/office/drawing/2010/main" xmlns:ma14="http://schemas.microsoft.com/office/mac/drawingml/2011/main" val="1"/>
             </a:ext>
           </a:extLst>
         </p:spPr>
@@ -8854,7 +8859,7 @@
           </a:ln>
           <a:extLst>
             <a:ext uri="{C572A759-6A51-4108-AA02-DFA0A04FC94B}">
-              <ma14:wrappingTextBoxFlag xmlns:ma14="http://schemas.microsoft.com/office/mac/drawingml/2011/main" xmlns:a14="http://schemas.microsoft.com/office/drawing/2010/main" xmlns:m="http://schemas.openxmlformats.org/officeDocument/2006/math" xmlns="" val="1"/>
+              <ma14:wrappingTextBoxFlag xmlns="" xmlns:m="http://schemas.openxmlformats.org/officeDocument/2006/math" xmlns:a14="http://schemas.microsoft.com/office/drawing/2010/main" xmlns:ma14="http://schemas.microsoft.com/office/mac/drawingml/2011/main" val="1"/>
             </a:ext>
           </a:extLst>
         </p:spPr>
@@ -8912,7 +8917,7 @@
           </a:ln>
           <a:extLst>
             <a:ext uri="{C572A759-6A51-4108-AA02-DFA0A04FC94B}">
-              <ma14:wrappingTextBoxFlag xmlns:ma14="http://schemas.microsoft.com/office/mac/drawingml/2011/main" xmlns:a14="http://schemas.microsoft.com/office/drawing/2010/main" xmlns:m="http://schemas.openxmlformats.org/officeDocument/2006/math" xmlns="" val="1"/>
+              <ma14:wrappingTextBoxFlag xmlns="" xmlns:m="http://schemas.openxmlformats.org/officeDocument/2006/math" xmlns:a14="http://schemas.microsoft.com/office/drawing/2010/main" xmlns:ma14="http://schemas.microsoft.com/office/mac/drawingml/2011/main" val="1"/>
             </a:ext>
           </a:extLst>
         </p:spPr>
@@ -9166,7 +9171,7 @@
           </a:ln>
           <a:extLst>
             <a:ext uri="{C572A759-6A51-4108-AA02-DFA0A04FC94B}">
-              <ma14:wrappingTextBoxFlag xmlns:ma14="http://schemas.microsoft.com/office/mac/drawingml/2011/main" xmlns:a14="http://schemas.microsoft.com/office/drawing/2010/main" xmlns:m="http://schemas.openxmlformats.org/officeDocument/2006/math" xmlns="" val="1"/>
+              <ma14:wrappingTextBoxFlag xmlns="" xmlns:m="http://schemas.openxmlformats.org/officeDocument/2006/math" xmlns:a14="http://schemas.microsoft.com/office/drawing/2010/main" xmlns:ma14="http://schemas.microsoft.com/office/mac/drawingml/2011/main" val="1"/>
             </a:ext>
           </a:extLst>
         </p:spPr>
@@ -9251,7 +9256,7 @@
           </a:ln>
           <a:extLst>
             <a:ext uri="{C572A759-6A51-4108-AA02-DFA0A04FC94B}">
-              <ma14:wrappingTextBoxFlag xmlns:ma14="http://schemas.microsoft.com/office/mac/drawingml/2011/main" xmlns:a14="http://schemas.microsoft.com/office/drawing/2010/main" xmlns:m="http://schemas.openxmlformats.org/officeDocument/2006/math" xmlns="" val="1"/>
+              <ma14:wrappingTextBoxFlag xmlns="" xmlns:m="http://schemas.openxmlformats.org/officeDocument/2006/math" xmlns:a14="http://schemas.microsoft.com/office/drawing/2010/main" xmlns:ma14="http://schemas.microsoft.com/office/mac/drawingml/2011/main" val="1"/>
             </a:ext>
           </a:extLst>
         </p:spPr>
@@ -9306,7 +9311,7 @@
           </a:ln>
           <a:extLst>
             <a:ext uri="{C572A759-6A51-4108-AA02-DFA0A04FC94B}">
-              <ma14:wrappingTextBoxFlag xmlns:ma14="http://schemas.microsoft.com/office/mac/drawingml/2011/main" xmlns:a14="http://schemas.microsoft.com/office/drawing/2010/main" xmlns:m="http://schemas.openxmlformats.org/officeDocument/2006/math" xmlns="" val="1"/>
+              <ma14:wrappingTextBoxFlag xmlns="" xmlns:m="http://schemas.openxmlformats.org/officeDocument/2006/math" xmlns:a14="http://schemas.microsoft.com/office/drawing/2010/main" xmlns:ma14="http://schemas.microsoft.com/office/mac/drawingml/2011/main" val="1"/>
             </a:ext>
           </a:extLst>
         </p:spPr>
@@ -9449,7 +9454,7 @@
           </a:ln>
           <a:extLst>
             <a:ext uri="{C572A759-6A51-4108-AA02-DFA0A04FC94B}">
-              <ma14:wrappingTextBoxFlag xmlns:ma14="http://schemas.microsoft.com/office/mac/drawingml/2011/main" xmlns:a14="http://schemas.microsoft.com/office/drawing/2010/main" xmlns:m="http://schemas.openxmlformats.org/officeDocument/2006/math" xmlns="" val="1"/>
+              <ma14:wrappingTextBoxFlag xmlns="" xmlns:m="http://schemas.openxmlformats.org/officeDocument/2006/math" xmlns:a14="http://schemas.microsoft.com/office/drawing/2010/main" xmlns:ma14="http://schemas.microsoft.com/office/mac/drawingml/2011/main" val="1"/>
             </a:ext>
           </a:extLst>
         </p:spPr>
@@ -9504,7 +9509,7 @@
           </a:ln>
           <a:extLst>
             <a:ext uri="{C572A759-6A51-4108-AA02-DFA0A04FC94B}">
-              <ma14:wrappingTextBoxFlag xmlns:ma14="http://schemas.microsoft.com/office/mac/drawingml/2011/main" xmlns:a14="http://schemas.microsoft.com/office/drawing/2010/main" xmlns:m="http://schemas.openxmlformats.org/officeDocument/2006/math" xmlns="" val="1"/>
+              <ma14:wrappingTextBoxFlag xmlns="" xmlns:m="http://schemas.openxmlformats.org/officeDocument/2006/math" xmlns:a14="http://schemas.microsoft.com/office/drawing/2010/main" xmlns:ma14="http://schemas.microsoft.com/office/mac/drawingml/2011/main" val="1"/>
             </a:ext>
           </a:extLst>
         </p:spPr>
@@ -9562,7 +9567,7 @@
           </a:ln>
           <a:extLst>
             <a:ext uri="{C572A759-6A51-4108-AA02-DFA0A04FC94B}">
-              <ma14:wrappingTextBoxFlag xmlns:ma14="http://schemas.microsoft.com/office/mac/drawingml/2011/main" xmlns:a14="http://schemas.microsoft.com/office/drawing/2010/main" xmlns:m="http://schemas.openxmlformats.org/officeDocument/2006/math" xmlns="" val="1"/>
+              <ma14:wrappingTextBoxFlag xmlns="" xmlns:m="http://schemas.openxmlformats.org/officeDocument/2006/math" xmlns:a14="http://schemas.microsoft.com/office/drawing/2010/main" xmlns:ma14="http://schemas.microsoft.com/office/mac/drawingml/2011/main" val="1"/>
             </a:ext>
           </a:extLst>
         </p:spPr>
@@ -9735,7 +9740,7 @@
           </a:ln>
           <a:extLst>
             <a:ext uri="{C572A759-6A51-4108-AA02-DFA0A04FC94B}">
-              <ma14:wrappingTextBoxFlag xmlns:ma14="http://schemas.microsoft.com/office/mac/drawingml/2011/main" xmlns:a14="http://schemas.microsoft.com/office/drawing/2010/main" xmlns:m="http://schemas.openxmlformats.org/officeDocument/2006/math" xmlns="" val="1"/>
+              <ma14:wrappingTextBoxFlag xmlns="" xmlns:m="http://schemas.openxmlformats.org/officeDocument/2006/math" xmlns:a14="http://schemas.microsoft.com/office/drawing/2010/main" xmlns:ma14="http://schemas.microsoft.com/office/mac/drawingml/2011/main" val="1"/>
             </a:ext>
           </a:extLst>
         </p:spPr>
@@ -10609,7 +10614,7 @@
           </a:ln>
           <a:extLst>
             <a:ext uri="{C572A759-6A51-4108-AA02-DFA0A04FC94B}">
-              <ma14:wrappingTextBoxFlag xmlns:ma14="http://schemas.microsoft.com/office/mac/drawingml/2011/main" xmlns:a14="http://schemas.microsoft.com/office/drawing/2010/main" xmlns:m="http://schemas.openxmlformats.org/officeDocument/2006/math" xmlns="" val="1"/>
+              <ma14:wrappingTextBoxFlag xmlns="" xmlns:m="http://schemas.openxmlformats.org/officeDocument/2006/math" xmlns:a14="http://schemas.microsoft.com/office/drawing/2010/main" xmlns:ma14="http://schemas.microsoft.com/office/mac/drawingml/2011/main" val="1"/>
             </a:ext>
           </a:extLst>
         </p:spPr>
@@ -10711,7 +10716,7 @@
           </a:ln>
           <a:extLst>
             <a:ext uri="{C572A759-6A51-4108-AA02-DFA0A04FC94B}">
-              <ma14:wrappingTextBoxFlag xmlns:ma14="http://schemas.microsoft.com/office/mac/drawingml/2011/main" xmlns:a14="http://schemas.microsoft.com/office/drawing/2010/main" xmlns:m="http://schemas.openxmlformats.org/officeDocument/2006/math" xmlns="" val="1"/>
+              <ma14:wrappingTextBoxFlag xmlns="" xmlns:m="http://schemas.openxmlformats.org/officeDocument/2006/math" xmlns:a14="http://schemas.microsoft.com/office/drawing/2010/main" xmlns:ma14="http://schemas.microsoft.com/office/mac/drawingml/2011/main" val="1"/>
             </a:ext>
           </a:extLst>
         </p:spPr>
@@ -11101,7 +11106,7 @@
           </a:ln>
           <a:extLst>
             <a:ext uri="{C572A759-6A51-4108-AA02-DFA0A04FC94B}">
-              <ma14:wrappingTextBoxFlag xmlns:ma14="http://schemas.microsoft.com/office/mac/drawingml/2011/main" xmlns:a14="http://schemas.microsoft.com/office/drawing/2010/main" xmlns:m="http://schemas.openxmlformats.org/officeDocument/2006/math" xmlns="" val="1"/>
+              <ma14:wrappingTextBoxFlag xmlns="" xmlns:m="http://schemas.openxmlformats.org/officeDocument/2006/math" xmlns:a14="http://schemas.microsoft.com/office/drawing/2010/main" xmlns:ma14="http://schemas.microsoft.com/office/mac/drawingml/2011/main" val="1"/>
             </a:ext>
           </a:extLst>
         </p:spPr>
@@ -11491,7 +11496,7 @@
           </a:ln>
           <a:extLst>
             <a:ext uri="{C572A759-6A51-4108-AA02-DFA0A04FC94B}">
-              <ma14:wrappingTextBoxFlag xmlns:ma14="http://schemas.microsoft.com/office/mac/drawingml/2011/main" xmlns:a14="http://schemas.microsoft.com/office/drawing/2010/main" xmlns:m="http://schemas.openxmlformats.org/officeDocument/2006/math" xmlns="" val="1"/>
+              <ma14:wrappingTextBoxFlag xmlns="" xmlns:m="http://schemas.openxmlformats.org/officeDocument/2006/math" xmlns:a14="http://schemas.microsoft.com/office/drawing/2010/main" xmlns:ma14="http://schemas.microsoft.com/office/mac/drawingml/2011/main" val="1"/>
             </a:ext>
           </a:extLst>
         </p:spPr>
@@ -11752,7 +11757,7 @@
           </a:ln>
           <a:extLst>
             <a:ext uri="{C572A759-6A51-4108-AA02-DFA0A04FC94B}">
-              <ma14:wrappingTextBoxFlag xmlns:ma14="http://schemas.microsoft.com/office/mac/drawingml/2011/main" xmlns:a14="http://schemas.microsoft.com/office/drawing/2010/main" xmlns:m="http://schemas.openxmlformats.org/officeDocument/2006/math" xmlns="" val="1"/>
+              <ma14:wrappingTextBoxFlag xmlns="" xmlns:m="http://schemas.openxmlformats.org/officeDocument/2006/math" xmlns:a14="http://schemas.microsoft.com/office/drawing/2010/main" xmlns:ma14="http://schemas.microsoft.com/office/mac/drawingml/2011/main" val="1"/>
             </a:ext>
           </a:extLst>
         </p:spPr>
@@ -12034,7 +12039,7 @@
           </a:ln>
           <a:extLst>
             <a:ext uri="{C572A759-6A51-4108-AA02-DFA0A04FC94B}">
-              <ma14:wrappingTextBoxFlag xmlns:ma14="http://schemas.microsoft.com/office/mac/drawingml/2011/main" xmlns:a14="http://schemas.microsoft.com/office/drawing/2010/main" xmlns:m="http://schemas.openxmlformats.org/officeDocument/2006/math" xmlns="" val="1"/>
+              <ma14:wrappingTextBoxFlag xmlns="" xmlns:m="http://schemas.openxmlformats.org/officeDocument/2006/math" xmlns:a14="http://schemas.microsoft.com/office/drawing/2010/main" xmlns:ma14="http://schemas.microsoft.com/office/mac/drawingml/2011/main" val="1"/>
             </a:ext>
           </a:extLst>
         </p:spPr>
@@ -12756,7 +12761,7 @@
           </a:ln>
           <a:extLst>
             <a:ext uri="{C572A759-6A51-4108-AA02-DFA0A04FC94B}">
-              <ma14:wrappingTextBoxFlag xmlns:ma14="http://schemas.microsoft.com/office/mac/drawingml/2011/main" xmlns:a14="http://schemas.microsoft.com/office/drawing/2010/main" xmlns:m="http://schemas.openxmlformats.org/officeDocument/2006/math" xmlns="" val="1"/>
+              <ma14:wrappingTextBoxFlag xmlns="" xmlns:m="http://schemas.openxmlformats.org/officeDocument/2006/math" xmlns:a14="http://schemas.microsoft.com/office/drawing/2010/main" xmlns:ma14="http://schemas.microsoft.com/office/mac/drawingml/2011/main" val="1"/>
             </a:ext>
           </a:extLst>
         </p:spPr>
@@ -13523,7 +13528,7 @@
           </a:ln>
           <a:extLst>
             <a:ext uri="{C572A759-6A51-4108-AA02-DFA0A04FC94B}">
-              <ma14:wrappingTextBoxFlag xmlns:ma14="http://schemas.microsoft.com/office/mac/drawingml/2011/main" xmlns:a14="http://schemas.microsoft.com/office/drawing/2010/main" xmlns:m="http://schemas.openxmlformats.org/officeDocument/2006/math" xmlns="" val="1"/>
+              <ma14:wrappingTextBoxFlag xmlns="" xmlns:m="http://schemas.openxmlformats.org/officeDocument/2006/math" xmlns:a14="http://schemas.microsoft.com/office/drawing/2010/main" xmlns:ma14="http://schemas.microsoft.com/office/mac/drawingml/2011/main" val="1"/>
             </a:ext>
           </a:extLst>
         </p:spPr>
@@ -14290,7 +14295,7 @@
           </a:ln>
           <a:extLst>
             <a:ext uri="{C572A759-6A51-4108-AA02-DFA0A04FC94B}">
-              <ma14:wrappingTextBoxFlag xmlns:ma14="http://schemas.microsoft.com/office/mac/drawingml/2011/main" xmlns:a14="http://schemas.microsoft.com/office/drawing/2010/main" xmlns:m="http://schemas.openxmlformats.org/officeDocument/2006/math" xmlns="" val="1"/>
+              <ma14:wrappingTextBoxFlag xmlns="" xmlns:m="http://schemas.openxmlformats.org/officeDocument/2006/math" xmlns:a14="http://schemas.microsoft.com/office/drawing/2010/main" xmlns:ma14="http://schemas.microsoft.com/office/mac/drawingml/2011/main" val="1"/>
             </a:ext>
           </a:extLst>
         </p:spPr>
@@ -15057,7 +15062,7 @@
           </a:ln>
           <a:extLst>
             <a:ext uri="{C572A759-6A51-4108-AA02-DFA0A04FC94B}">
-              <ma14:wrappingTextBoxFlag xmlns:ma14="http://schemas.microsoft.com/office/mac/drawingml/2011/main" xmlns:a14="http://schemas.microsoft.com/office/drawing/2010/main" xmlns:m="http://schemas.openxmlformats.org/officeDocument/2006/math" xmlns="" val="1"/>
+              <ma14:wrappingTextBoxFlag xmlns="" xmlns:m="http://schemas.openxmlformats.org/officeDocument/2006/math" xmlns:a14="http://schemas.microsoft.com/office/drawing/2010/main" xmlns:ma14="http://schemas.microsoft.com/office/mac/drawingml/2011/main" val="1"/>
             </a:ext>
           </a:extLst>
         </p:spPr>
@@ -15756,7 +15761,7 @@
           </a:ln>
           <a:extLst>
             <a:ext uri="{C572A759-6A51-4108-AA02-DFA0A04FC94B}">
-              <ma14:wrappingTextBoxFlag xmlns:ma14="http://schemas.microsoft.com/office/mac/drawingml/2011/main" xmlns:a14="http://schemas.microsoft.com/office/drawing/2010/main" xmlns:m="http://schemas.openxmlformats.org/officeDocument/2006/math" xmlns="" val="1"/>
+              <ma14:wrappingTextBoxFlag xmlns="" xmlns:m="http://schemas.openxmlformats.org/officeDocument/2006/math" xmlns:a14="http://schemas.microsoft.com/office/drawing/2010/main" xmlns:ma14="http://schemas.microsoft.com/office/mac/drawingml/2011/main" val="1"/>
             </a:ext>
           </a:extLst>
         </p:spPr>
@@ -16618,7 +16623,7 @@
           </a:ln>
           <a:extLst>
             <a:ext uri="{C572A759-6A51-4108-AA02-DFA0A04FC94B}">
-              <ma14:wrappingTextBoxFlag xmlns:ma14="http://schemas.microsoft.com/office/mac/drawingml/2011/main" xmlns:a14="http://schemas.microsoft.com/office/drawing/2010/main" xmlns:m="http://schemas.openxmlformats.org/officeDocument/2006/math" xmlns="" val="1"/>
+              <ma14:wrappingTextBoxFlag xmlns="" xmlns:m="http://schemas.openxmlformats.org/officeDocument/2006/math" xmlns:a14="http://schemas.microsoft.com/office/drawing/2010/main" xmlns:ma14="http://schemas.microsoft.com/office/mac/drawingml/2011/main" val="1"/>
             </a:ext>
           </a:extLst>
         </p:spPr>
@@ -17180,7 +17185,7 @@
           </a:ln>
           <a:extLst>
             <a:ext uri="{C572A759-6A51-4108-AA02-DFA0A04FC94B}">
-              <ma14:wrappingTextBoxFlag xmlns:ma14="http://schemas.microsoft.com/office/mac/drawingml/2011/main" xmlns:a14="http://schemas.microsoft.com/office/drawing/2010/main" xmlns:m="http://schemas.openxmlformats.org/officeDocument/2006/math" xmlns="" val="1"/>
+              <ma14:wrappingTextBoxFlag xmlns="" xmlns:m="http://schemas.openxmlformats.org/officeDocument/2006/math" xmlns:a14="http://schemas.microsoft.com/office/drawing/2010/main" xmlns:ma14="http://schemas.microsoft.com/office/mac/drawingml/2011/main" val="1"/>
             </a:ext>
           </a:extLst>
         </p:spPr>
@@ -17282,7 +17287,7 @@
           </a:ln>
           <a:extLst>
             <a:ext uri="{C572A759-6A51-4108-AA02-DFA0A04FC94B}">
-              <ma14:wrappingTextBoxFlag xmlns:ma14="http://schemas.microsoft.com/office/mac/drawingml/2011/main" xmlns:a14="http://schemas.microsoft.com/office/drawing/2010/main" xmlns:m="http://schemas.openxmlformats.org/officeDocument/2006/math" xmlns="" val="1"/>
+              <ma14:wrappingTextBoxFlag xmlns="" xmlns:m="http://schemas.openxmlformats.org/officeDocument/2006/math" xmlns:a14="http://schemas.microsoft.com/office/drawing/2010/main" xmlns:ma14="http://schemas.microsoft.com/office/mac/drawingml/2011/main" val="1"/>
             </a:ext>
           </a:extLst>
         </p:spPr>
@@ -18173,7 +18178,7 @@
           </a:ln>
           <a:extLst>
             <a:ext uri="{C572A759-6A51-4108-AA02-DFA0A04FC94B}">
-              <ma14:wrappingTextBoxFlag xmlns:ma14="http://schemas.microsoft.com/office/mac/drawingml/2011/main" xmlns:a14="http://schemas.microsoft.com/office/drawing/2010/main" xmlns:m="http://schemas.openxmlformats.org/officeDocument/2006/math" xmlns="" val="1"/>
+              <ma14:wrappingTextBoxFlag xmlns="" xmlns:m="http://schemas.openxmlformats.org/officeDocument/2006/math" xmlns:a14="http://schemas.microsoft.com/office/drawing/2010/main" xmlns:ma14="http://schemas.microsoft.com/office/mac/drawingml/2011/main" val="1"/>
             </a:ext>
           </a:extLst>
         </p:spPr>
@@ -19103,7 +19108,7 @@
           </a:ln>
           <a:extLst>
             <a:ext uri="{C572A759-6A51-4108-AA02-DFA0A04FC94B}">
-              <ma14:wrappingTextBoxFlag xmlns:ma14="http://schemas.microsoft.com/office/mac/drawingml/2011/main" xmlns:a14="http://schemas.microsoft.com/office/drawing/2010/main" xmlns:m="http://schemas.openxmlformats.org/officeDocument/2006/math" xmlns="" val="1"/>
+              <ma14:wrappingTextBoxFlag xmlns="" xmlns:m="http://schemas.openxmlformats.org/officeDocument/2006/math" xmlns:a14="http://schemas.microsoft.com/office/drawing/2010/main" xmlns:ma14="http://schemas.microsoft.com/office/mac/drawingml/2011/main" val="1"/>
             </a:ext>
           </a:extLst>
         </p:spPr>
@@ -19164,7 +19169,7 @@
           </a:ln>
           <a:extLst>
             <a:ext uri="{C572A759-6A51-4108-AA02-DFA0A04FC94B}">
-              <ma14:wrappingTextBoxFlag xmlns:ma14="http://schemas.microsoft.com/office/mac/drawingml/2011/main" xmlns:a14="http://schemas.microsoft.com/office/drawing/2010/main" xmlns:m="http://schemas.openxmlformats.org/officeDocument/2006/math" xmlns="" val="1"/>
+              <ma14:wrappingTextBoxFlag xmlns="" xmlns:m="http://schemas.openxmlformats.org/officeDocument/2006/math" xmlns:a14="http://schemas.microsoft.com/office/drawing/2010/main" xmlns:ma14="http://schemas.microsoft.com/office/mac/drawingml/2011/main" val="1"/>
             </a:ext>
           </a:extLst>
         </p:spPr>
@@ -19257,7 +19262,7 @@
           </a:ln>
           <a:extLst>
             <a:ext uri="{C572A759-6A51-4108-AA02-DFA0A04FC94B}">
-              <ma14:wrappingTextBoxFlag xmlns:ma14="http://schemas.microsoft.com/office/mac/drawingml/2011/main" xmlns:a14="http://schemas.microsoft.com/office/drawing/2010/main" xmlns:m="http://schemas.openxmlformats.org/officeDocument/2006/math" xmlns="" val="1"/>
+              <ma14:wrappingTextBoxFlag xmlns="" xmlns:m="http://schemas.openxmlformats.org/officeDocument/2006/math" xmlns:a14="http://schemas.microsoft.com/office/drawing/2010/main" xmlns:ma14="http://schemas.microsoft.com/office/mac/drawingml/2011/main" val="1"/>
             </a:ext>
           </a:extLst>
         </p:spPr>
@@ -19398,7 +19403,7 @@
           </a:ln>
           <a:extLst>
             <a:ext uri="{C572A759-6A51-4108-AA02-DFA0A04FC94B}">
-              <ma14:wrappingTextBoxFlag xmlns:ma14="http://schemas.microsoft.com/office/mac/drawingml/2011/main" xmlns:a14="http://schemas.microsoft.com/office/drawing/2010/main" xmlns:m="http://schemas.openxmlformats.org/officeDocument/2006/math" xmlns="" val="1"/>
+              <ma14:wrappingTextBoxFlag xmlns="" xmlns:m="http://schemas.openxmlformats.org/officeDocument/2006/math" xmlns:a14="http://schemas.microsoft.com/office/drawing/2010/main" xmlns:ma14="http://schemas.microsoft.com/office/mac/drawingml/2011/main" val="1"/>
             </a:ext>
           </a:extLst>
         </p:spPr>
@@ -19447,7 +19452,7 @@
           </a:ln>
           <a:extLst>
             <a:ext uri="{C572A759-6A51-4108-AA02-DFA0A04FC94B}">
-              <ma14:wrappingTextBoxFlag xmlns:ma14="http://schemas.microsoft.com/office/mac/drawingml/2011/main" xmlns:a14="http://schemas.microsoft.com/office/drawing/2010/main" xmlns:m="http://schemas.openxmlformats.org/officeDocument/2006/math" xmlns="" val="1"/>
+              <ma14:wrappingTextBoxFlag xmlns="" xmlns:m="http://schemas.openxmlformats.org/officeDocument/2006/math" xmlns:a14="http://schemas.microsoft.com/office/drawing/2010/main" xmlns:ma14="http://schemas.microsoft.com/office/mac/drawingml/2011/main" val="1"/>
             </a:ext>
           </a:extLst>
         </p:spPr>
@@ -19516,7 +19521,7 @@
           </a:ln>
           <a:extLst>
             <a:ext uri="{C572A759-6A51-4108-AA02-DFA0A04FC94B}">
-              <ma14:wrappingTextBoxFlag xmlns:ma14="http://schemas.microsoft.com/office/mac/drawingml/2011/main" xmlns:a14="http://schemas.microsoft.com/office/drawing/2010/main" xmlns:m="http://schemas.openxmlformats.org/officeDocument/2006/math" xmlns="" val="1"/>
+              <ma14:wrappingTextBoxFlag xmlns="" xmlns:m="http://schemas.openxmlformats.org/officeDocument/2006/math" xmlns:a14="http://schemas.microsoft.com/office/drawing/2010/main" xmlns:ma14="http://schemas.microsoft.com/office/mac/drawingml/2011/main" val="1"/>
             </a:ext>
           </a:extLst>
         </p:spPr>
@@ -19564,7 +19569,7 @@
           </a:ln>
           <a:extLst>
             <a:ext uri="{C572A759-6A51-4108-AA02-DFA0A04FC94B}">
-              <ma14:wrappingTextBoxFlag xmlns:ma14="http://schemas.microsoft.com/office/mac/drawingml/2011/main" xmlns:a14="http://schemas.microsoft.com/office/drawing/2010/main" xmlns:m="http://schemas.openxmlformats.org/officeDocument/2006/math" xmlns="" val="1"/>
+              <ma14:wrappingTextBoxFlag xmlns="" xmlns:m="http://schemas.openxmlformats.org/officeDocument/2006/math" xmlns:a14="http://schemas.microsoft.com/office/drawing/2010/main" xmlns:ma14="http://schemas.microsoft.com/office/mac/drawingml/2011/main" val="1"/>
             </a:ext>
           </a:extLst>
         </p:spPr>
@@ -23377,7 +23382,7 @@
           </a:ln>
           <a:extLst>
             <a:ext uri="{C572A759-6A51-4108-AA02-DFA0A04FC94B}">
-              <ma14:wrappingTextBoxFlag xmlns:ma14="http://schemas.microsoft.com/office/mac/drawingml/2011/main" xmlns:a14="http://schemas.microsoft.com/office/drawing/2010/main" xmlns:m="http://schemas.openxmlformats.org/officeDocument/2006/math" xmlns="" val="1"/>
+              <ma14:wrappingTextBoxFlag xmlns="" xmlns:m="http://schemas.openxmlformats.org/officeDocument/2006/math" xmlns:a14="http://schemas.microsoft.com/office/drawing/2010/main" xmlns:ma14="http://schemas.microsoft.com/office/mac/drawingml/2011/main" val="1"/>
             </a:ext>
           </a:extLst>
         </p:spPr>
@@ -23426,7 +23431,7 @@
           </a:ln>
           <a:extLst>
             <a:ext uri="{C572A759-6A51-4108-AA02-DFA0A04FC94B}">
-              <ma14:wrappingTextBoxFlag xmlns:ma14="http://schemas.microsoft.com/office/mac/drawingml/2011/main" xmlns:a14="http://schemas.microsoft.com/office/drawing/2010/main" xmlns:m="http://schemas.openxmlformats.org/officeDocument/2006/math" xmlns="" val="1"/>
+              <ma14:wrappingTextBoxFlag xmlns="" xmlns:m="http://schemas.openxmlformats.org/officeDocument/2006/math" xmlns:a14="http://schemas.microsoft.com/office/drawing/2010/main" xmlns:ma14="http://schemas.microsoft.com/office/mac/drawingml/2011/main" val="1"/>
             </a:ext>
           </a:extLst>
         </p:spPr>
@@ -23481,7 +23486,7 @@
           </a:ln>
           <a:extLst>
             <a:ext uri="{C572A759-6A51-4108-AA02-DFA0A04FC94B}">
-              <ma14:wrappingTextBoxFlag xmlns:ma14="http://schemas.microsoft.com/office/mac/drawingml/2011/main" xmlns:a14="http://schemas.microsoft.com/office/drawing/2010/main" xmlns:m="http://schemas.openxmlformats.org/officeDocument/2006/math" xmlns="" val="1"/>
+              <ma14:wrappingTextBoxFlag xmlns="" xmlns:m="http://schemas.openxmlformats.org/officeDocument/2006/math" xmlns:a14="http://schemas.microsoft.com/office/drawing/2010/main" xmlns:ma14="http://schemas.microsoft.com/office/mac/drawingml/2011/main" val="1"/>
             </a:ext>
           </a:extLst>
         </p:spPr>
@@ -23910,7 +23915,7 @@
           </a:ln>
           <a:extLst>
             <a:ext uri="{C572A759-6A51-4108-AA02-DFA0A04FC94B}">
-              <ma14:wrappingTextBoxFlag xmlns:ma14="http://schemas.microsoft.com/office/mac/drawingml/2011/main" xmlns:a14="http://schemas.microsoft.com/office/drawing/2010/main" xmlns:m="http://schemas.openxmlformats.org/officeDocument/2006/math" xmlns="" val="1"/>
+              <ma14:wrappingTextBoxFlag xmlns="" xmlns:m="http://schemas.openxmlformats.org/officeDocument/2006/math" xmlns:a14="http://schemas.microsoft.com/office/drawing/2010/main" xmlns:ma14="http://schemas.microsoft.com/office/mac/drawingml/2011/main" val="1"/>
             </a:ext>
           </a:extLst>
         </p:spPr>
@@ -28566,7 +28571,7 @@
           </a:ln>
           <a:extLst>
             <a:ext uri="{C572A759-6A51-4108-AA02-DFA0A04FC94B}">
-              <ma14:wrappingTextBoxFlag xmlns:ma14="http://schemas.microsoft.com/office/mac/drawingml/2011/main" xmlns:a14="http://schemas.microsoft.com/office/drawing/2010/main" xmlns:m="http://schemas.openxmlformats.org/officeDocument/2006/math" xmlns="" val="1"/>
+              <ma14:wrappingTextBoxFlag xmlns="" xmlns:m="http://schemas.openxmlformats.org/officeDocument/2006/math" xmlns:a14="http://schemas.microsoft.com/office/drawing/2010/main" xmlns:ma14="http://schemas.microsoft.com/office/mac/drawingml/2011/main" val="1"/>
             </a:ext>
           </a:extLst>
         </p:spPr>
@@ -28615,7 +28620,7 @@
           </a:ln>
           <a:extLst>
             <a:ext uri="{C572A759-6A51-4108-AA02-DFA0A04FC94B}">
-              <ma14:wrappingTextBoxFlag xmlns:ma14="http://schemas.microsoft.com/office/mac/drawingml/2011/main" xmlns:a14="http://schemas.microsoft.com/office/drawing/2010/main" xmlns:m="http://schemas.openxmlformats.org/officeDocument/2006/math" xmlns="" val="1"/>
+              <ma14:wrappingTextBoxFlag xmlns="" xmlns:m="http://schemas.openxmlformats.org/officeDocument/2006/math" xmlns:a14="http://schemas.microsoft.com/office/drawing/2010/main" xmlns:ma14="http://schemas.microsoft.com/office/mac/drawingml/2011/main" val="1"/>
             </a:ext>
           </a:extLst>
         </p:spPr>
@@ -28670,7 +28675,7 @@
           </a:ln>
           <a:extLst>
             <a:ext uri="{C572A759-6A51-4108-AA02-DFA0A04FC94B}">
-              <ma14:wrappingTextBoxFlag xmlns:ma14="http://schemas.microsoft.com/office/mac/drawingml/2011/main" xmlns:a14="http://schemas.microsoft.com/office/drawing/2010/main" xmlns:m="http://schemas.openxmlformats.org/officeDocument/2006/math" xmlns="" val="1"/>
+              <ma14:wrappingTextBoxFlag xmlns="" xmlns:m="http://schemas.openxmlformats.org/officeDocument/2006/math" xmlns:a14="http://schemas.microsoft.com/office/drawing/2010/main" xmlns:ma14="http://schemas.microsoft.com/office/mac/drawingml/2011/main" val="1"/>
             </a:ext>
           </a:extLst>
         </p:spPr>
@@ -28716,7 +28721,7 @@
           </a:ln>
           <a:extLst>
             <a:ext uri="{C572A759-6A51-4108-AA02-DFA0A04FC94B}">
-              <ma14:wrappingTextBoxFlag xmlns:ma14="http://schemas.microsoft.com/office/mac/drawingml/2011/main" xmlns:a14="http://schemas.microsoft.com/office/drawing/2010/main" xmlns:m="http://schemas.openxmlformats.org/officeDocument/2006/math" xmlns="" val="1"/>
+              <ma14:wrappingTextBoxFlag xmlns="" xmlns:m="http://schemas.openxmlformats.org/officeDocument/2006/math" xmlns:a14="http://schemas.microsoft.com/office/drawing/2010/main" xmlns:ma14="http://schemas.microsoft.com/office/mac/drawingml/2011/main" val="1"/>
             </a:ext>
           </a:extLst>
         </p:spPr>
@@ -28854,7 +28859,7 @@
           </a:ln>
           <a:extLst>
             <a:ext uri="{C572A759-6A51-4108-AA02-DFA0A04FC94B}">
-              <ma14:wrappingTextBoxFlag xmlns:ma14="http://schemas.microsoft.com/office/mac/drawingml/2011/main" xmlns:a14="http://schemas.microsoft.com/office/drawing/2010/main" xmlns:m="http://schemas.openxmlformats.org/officeDocument/2006/math" xmlns="" val="1"/>
+              <ma14:wrappingTextBoxFlag xmlns="" xmlns:m="http://schemas.openxmlformats.org/officeDocument/2006/math" xmlns:a14="http://schemas.microsoft.com/office/drawing/2010/main" xmlns:ma14="http://schemas.microsoft.com/office/mac/drawingml/2011/main" val="1"/>
             </a:ext>
           </a:extLst>
         </p:spPr>
@@ -28936,7 +28941,7 @@
           </a:ln>
           <a:extLst>
             <a:ext uri="{C572A759-6A51-4108-AA02-DFA0A04FC94B}">
-              <ma14:wrappingTextBoxFlag xmlns:ma14="http://schemas.microsoft.com/office/mac/drawingml/2011/main" xmlns:a14="http://schemas.microsoft.com/office/drawing/2010/main" xmlns:m="http://schemas.openxmlformats.org/officeDocument/2006/math" xmlns="" val="1"/>
+              <ma14:wrappingTextBoxFlag xmlns="" xmlns:m="http://schemas.openxmlformats.org/officeDocument/2006/math" xmlns:a14="http://schemas.microsoft.com/office/drawing/2010/main" xmlns:ma14="http://schemas.microsoft.com/office/mac/drawingml/2011/main" val="1"/>
             </a:ext>
           </a:extLst>
         </p:spPr>
@@ -28982,70 +28987,6 @@
                 <a:sym typeface="Times New Roman"/>
               </a:rPr>
               <a:t>.</a:t>
-            </a:r>
-          </a:p>
-        </p:txBody>
-      </p:sp>
-      <p:sp>
-        <p:nvSpPr>
-          <p:cNvPr id="487" name="\"/>
-          <p:cNvSpPr/>
-          <p:nvPr/>
-        </p:nvSpPr>
-        <p:spPr>
-          <a:xfrm>
-            <a:off x="864412" y="7086486"/>
-            <a:ext cx="7138697" cy="233660"/>
-          </a:xfrm>
-          <a:prstGeom prst="rect">
-            <a:avLst/>
-          </a:prstGeom>
-          <a:ln w="12700">
-            <a:miter lim="400000"/>
-          </a:ln>
-          <a:extLst>
-            <a:ext uri="{C572A759-6A51-4108-AA02-DFA0A04FC94B}">
-              <ma14:wrappingTextBoxFlag xmlns:ma14="http://schemas.microsoft.com/office/mac/drawingml/2011/main" xmlns:a14="http://schemas.microsoft.com/office/drawing/2010/main" xmlns:m="http://schemas.openxmlformats.org/officeDocument/2006/math" xmlns="" val="1"/>
-            </a:ext>
-          </a:extLst>
-        </p:spPr>
-        <p:txBody>
-          <a:bodyPr wrap="none" lIns="0" tIns="0" rIns="0" bIns="0">
-            <a:spAutoFit/>
-          </a:bodyPr>
-          <a:lstStyle>
-            <a:lvl1pPr algn="l" defTabSz="457200">
-              <a:lnSpc>
-                <a:spcPts val="1800"/>
-              </a:lnSpc>
-              <a:tabLst>
-                <a:tab pos="6870700" algn="l"/>
-              </a:tabLst>
-              <a:defRPr sz="1600">
-                <a:latin typeface="Times New Roman"/>
-                <a:ea typeface="Times New Roman"/>
-                <a:cs typeface="Times New Roman"/>
-                <a:sym typeface="Times New Roman"/>
-              </a:defRPr>
-            </a:lvl1pPr>
-          </a:lstStyle>
-          <a:p>
-            <a:pPr>
-              <a:defRPr sz="4200">
-                <a:latin typeface="+mn-lt"/>
-                <a:ea typeface="+mn-ea"/>
-                <a:cs typeface="+mn-cs"/>
-                <a:sym typeface="Gill Sans"/>
-              </a:defRPr>
-            </a:pPr>
-            <a:r>
-              <a:rPr sz="1600">
-                <a:latin typeface="Times New Roman"/>
-                <a:ea typeface="Times New Roman"/>
-                <a:cs typeface="Times New Roman"/>
-                <a:sym typeface="Times New Roman"/>
-              </a:rPr>
-              <a:t>\</a:t>
             </a:r>
           </a:p>
         </p:txBody>
@@ -29132,7 +29073,7 @@
           </a:ln>
           <a:extLst>
             <a:ext uri="{C572A759-6A51-4108-AA02-DFA0A04FC94B}">
-              <ma14:wrappingTextBoxFlag xmlns:ma14="http://schemas.microsoft.com/office/mac/drawingml/2011/main" xmlns:a14="http://schemas.microsoft.com/office/drawing/2010/main" xmlns:m="http://schemas.openxmlformats.org/officeDocument/2006/math" xmlns="" val="1"/>
+              <ma14:wrappingTextBoxFlag xmlns="" xmlns:m="http://schemas.openxmlformats.org/officeDocument/2006/math" xmlns:a14="http://schemas.microsoft.com/office/drawing/2010/main" xmlns:ma14="http://schemas.microsoft.com/office/mac/drawingml/2011/main" val="1"/>
             </a:ext>
           </a:extLst>
         </p:spPr>
@@ -29463,7 +29404,7 @@
           </a:ln>
           <a:extLst>
             <a:ext uri="{C572A759-6A51-4108-AA02-DFA0A04FC94B}">
-              <ma14:wrappingTextBoxFlag xmlns:ma14="http://schemas.microsoft.com/office/mac/drawingml/2011/main" xmlns:a14="http://schemas.microsoft.com/office/drawing/2010/main" xmlns:m="http://schemas.openxmlformats.org/officeDocument/2006/math" xmlns="" val="1"/>
+              <ma14:wrappingTextBoxFlag xmlns="" xmlns:m="http://schemas.openxmlformats.org/officeDocument/2006/math" xmlns:a14="http://schemas.microsoft.com/office/drawing/2010/main" xmlns:ma14="http://schemas.microsoft.com/office/mac/drawingml/2011/main" val="1"/>
             </a:ext>
           </a:extLst>
         </p:spPr>
@@ -29513,7 +29454,7 @@
           </a:ln>
           <a:extLst>
             <a:ext uri="{C572A759-6A51-4108-AA02-DFA0A04FC94B}">
-              <ma14:wrappingTextBoxFlag xmlns:ma14="http://schemas.microsoft.com/office/mac/drawingml/2011/main" xmlns:a14="http://schemas.microsoft.com/office/drawing/2010/main" xmlns:m="http://schemas.openxmlformats.org/officeDocument/2006/math" xmlns="" val="1"/>
+              <ma14:wrappingTextBoxFlag xmlns="" xmlns:m="http://schemas.openxmlformats.org/officeDocument/2006/math" xmlns:a14="http://schemas.microsoft.com/office/drawing/2010/main" xmlns:ma14="http://schemas.microsoft.com/office/mac/drawingml/2011/main" val="1"/>
             </a:ext>
           </a:extLst>
         </p:spPr>
@@ -29553,8 +29494,8 @@
         </p:nvSpPr>
         <p:spPr>
           <a:xfrm>
-            <a:off x="-20066" y="6715759"/>
-            <a:ext cx="7377033" cy="1181101"/>
+            <a:off x="-85993" y="6826685"/>
+            <a:ext cx="10160510" cy="741330"/>
           </a:xfrm>
           <a:prstGeom prst="rect">
             <a:avLst/>
@@ -29670,7 +29611,7 @@
           </a:ln>
           <a:extLst>
             <a:ext uri="{C572A759-6A51-4108-AA02-DFA0A04FC94B}">
-              <ma14:wrappingTextBoxFlag xmlns:ma14="http://schemas.microsoft.com/office/mac/drawingml/2011/main" xmlns:a14="http://schemas.microsoft.com/office/drawing/2010/main" xmlns:m="http://schemas.openxmlformats.org/officeDocument/2006/math" xmlns="" val="1"/>
+              <ma14:wrappingTextBoxFlag xmlns="" xmlns:m="http://schemas.openxmlformats.org/officeDocument/2006/math" xmlns:a14="http://schemas.microsoft.com/office/drawing/2010/main" xmlns:ma14="http://schemas.microsoft.com/office/mac/drawingml/2011/main" val="1"/>
             </a:ext>
           </a:extLst>
         </p:spPr>
@@ -30489,7 +30430,7 @@
           </a:ln>
           <a:extLst>
             <a:ext uri="{C572A759-6A51-4108-AA02-DFA0A04FC94B}">
-              <ma14:wrappingTextBoxFlag xmlns:ma14="http://schemas.microsoft.com/office/mac/drawingml/2011/main" xmlns:a14="http://schemas.microsoft.com/office/drawing/2010/main" xmlns:m="http://schemas.openxmlformats.org/officeDocument/2006/math" xmlns="" val="1"/>
+              <ma14:wrappingTextBoxFlag xmlns="" xmlns:m="http://schemas.openxmlformats.org/officeDocument/2006/math" xmlns:a14="http://schemas.microsoft.com/office/drawing/2010/main" xmlns:ma14="http://schemas.microsoft.com/office/mac/drawingml/2011/main" val="1"/>
             </a:ext>
           </a:extLst>
         </p:spPr>
@@ -30585,7 +30526,7 @@
         </p:blipFill>
         <p:spPr>
           <a:xfrm>
-            <a:off x="-85992" y="1574646"/>
+            <a:off x="-36897" y="1592155"/>
             <a:ext cx="10160509" cy="5547669"/>
           </a:xfrm>
           <a:prstGeom prst="rect">
@@ -30820,7 +30761,7 @@
           </a:ln>
           <a:extLst>
             <a:ext uri="{C572A759-6A51-4108-AA02-DFA0A04FC94B}">
-              <ma14:wrappingTextBoxFlag xmlns:ma14="http://schemas.microsoft.com/office/mac/drawingml/2011/main" xmlns:a14="http://schemas.microsoft.com/office/drawing/2010/main" xmlns:m="http://schemas.openxmlformats.org/officeDocument/2006/math" xmlns="" val="1"/>
+              <ma14:wrappingTextBoxFlag xmlns="" xmlns:m="http://schemas.openxmlformats.org/officeDocument/2006/math" xmlns:a14="http://schemas.microsoft.com/office/drawing/2010/main" xmlns:ma14="http://schemas.microsoft.com/office/mac/drawingml/2011/main" val="1"/>
             </a:ext>
           </a:extLst>
         </p:spPr>
@@ -30846,6 +30787,7 @@
           </a:lstStyle>
           <a:p>
             <a:r>
+              <a:rPr dirty="0"/>
               <a:t>Class1</a:t>
             </a:r>
           </a:p>
@@ -30870,7 +30812,7 @@
           </a:ln>
           <a:extLst>
             <a:ext uri="{C572A759-6A51-4108-AA02-DFA0A04FC94B}">
-              <ma14:wrappingTextBoxFlag xmlns:ma14="http://schemas.microsoft.com/office/mac/drawingml/2011/main" xmlns:a14="http://schemas.microsoft.com/office/drawing/2010/main" xmlns:m="http://schemas.openxmlformats.org/officeDocument/2006/math" xmlns="" val="1"/>
+              <ma14:wrappingTextBoxFlag xmlns="" xmlns:m="http://schemas.openxmlformats.org/officeDocument/2006/math" xmlns:a14="http://schemas.microsoft.com/office/drawing/2010/main" xmlns:ma14="http://schemas.microsoft.com/office/mac/drawingml/2011/main" val="1"/>
             </a:ext>
           </a:extLst>
         </p:spPr>
@@ -30911,7 +30853,7 @@
         <p:spPr>
           <a:xfrm>
             <a:off x="6629654" y="3917989"/>
-            <a:ext cx="3941406" cy="3365422"/>
+            <a:ext cx="3493958" cy="3365422"/>
           </a:xfrm>
           <a:prstGeom prst="rect">
             <a:avLst/>
@@ -30953,8 +30895,8 @@
         </p:nvSpPr>
         <p:spPr>
           <a:xfrm>
-            <a:off x="-20066" y="6715759"/>
-            <a:ext cx="7377033" cy="1181101"/>
+            <a:off x="-20066" y="6715760"/>
+            <a:ext cx="7377033" cy="424064"/>
           </a:xfrm>
           <a:prstGeom prst="rect">
             <a:avLst/>
@@ -31070,7 +31012,7 @@
           </a:ln>
           <a:extLst>
             <a:ext uri="{C572A759-6A51-4108-AA02-DFA0A04FC94B}">
-              <ma14:wrappingTextBoxFlag xmlns:ma14="http://schemas.microsoft.com/office/mac/drawingml/2011/main" xmlns:a14="http://schemas.microsoft.com/office/drawing/2010/main" xmlns:m="http://schemas.openxmlformats.org/officeDocument/2006/math" xmlns="" val="1"/>
+              <ma14:wrappingTextBoxFlag xmlns="" xmlns:m="http://schemas.openxmlformats.org/officeDocument/2006/math" xmlns:a14="http://schemas.microsoft.com/office/drawing/2010/main" xmlns:ma14="http://schemas.microsoft.com/office/mac/drawingml/2011/main" val="1"/>
             </a:ext>
           </a:extLst>
         </p:spPr>
@@ -31389,7 +31331,7 @@
           </a:ln>
           <a:extLst>
             <a:ext uri="{C572A759-6A51-4108-AA02-DFA0A04FC94B}">
-              <ma14:wrappingTextBoxFlag xmlns:ma14="http://schemas.microsoft.com/office/mac/drawingml/2011/main" xmlns:a14="http://schemas.microsoft.com/office/drawing/2010/main" xmlns:m="http://schemas.openxmlformats.org/officeDocument/2006/math" xmlns="" val="1"/>
+              <ma14:wrappingTextBoxFlag xmlns="" xmlns:m="http://schemas.openxmlformats.org/officeDocument/2006/math" xmlns:a14="http://schemas.microsoft.com/office/drawing/2010/main" xmlns:ma14="http://schemas.microsoft.com/office/mac/drawingml/2011/main" val="1"/>
             </a:ext>
           </a:extLst>
         </p:spPr>
@@ -31439,7 +31381,7 @@
           </a:ln>
           <a:extLst>
             <a:ext uri="{C572A759-6A51-4108-AA02-DFA0A04FC94B}">
-              <ma14:wrappingTextBoxFlag xmlns:ma14="http://schemas.microsoft.com/office/mac/drawingml/2011/main" xmlns:a14="http://schemas.microsoft.com/office/drawing/2010/main" xmlns:m="http://schemas.openxmlformats.org/officeDocument/2006/math" xmlns="" val="1"/>
+              <ma14:wrappingTextBoxFlag xmlns="" xmlns:m="http://schemas.openxmlformats.org/officeDocument/2006/math" xmlns:a14="http://schemas.microsoft.com/office/drawing/2010/main" xmlns:ma14="http://schemas.microsoft.com/office/mac/drawingml/2011/main" val="1"/>
             </a:ext>
           </a:extLst>
         </p:spPr>
@@ -31639,7 +31581,7 @@
           </a:ln>
           <a:extLst>
             <a:ext uri="{C572A759-6A51-4108-AA02-DFA0A04FC94B}">
-              <ma14:wrappingTextBoxFlag xmlns:ma14="http://schemas.microsoft.com/office/mac/drawingml/2011/main" xmlns:a14="http://schemas.microsoft.com/office/drawing/2010/main" xmlns:m="http://schemas.openxmlformats.org/officeDocument/2006/math" xmlns="" val="1"/>
+              <ma14:wrappingTextBoxFlag xmlns="" xmlns:m="http://schemas.openxmlformats.org/officeDocument/2006/math" xmlns:a14="http://schemas.microsoft.com/office/drawing/2010/main" xmlns:ma14="http://schemas.microsoft.com/office/mac/drawingml/2011/main" val="1"/>
             </a:ext>
           </a:extLst>
         </p:spPr>
@@ -31970,7 +31912,7 @@
           </a:ln>
           <a:extLst>
             <a:ext uri="{C572A759-6A51-4108-AA02-DFA0A04FC94B}">
-              <ma14:wrappingTextBoxFlag xmlns:ma14="http://schemas.microsoft.com/office/mac/drawingml/2011/main" xmlns:a14="http://schemas.microsoft.com/office/drawing/2010/main" xmlns:m="http://schemas.openxmlformats.org/officeDocument/2006/math" xmlns="" val="1"/>
+              <ma14:wrappingTextBoxFlag xmlns="" xmlns:m="http://schemas.openxmlformats.org/officeDocument/2006/math" xmlns:a14="http://schemas.microsoft.com/office/drawing/2010/main" xmlns:ma14="http://schemas.microsoft.com/office/mac/drawingml/2011/main" val="1"/>
             </a:ext>
           </a:extLst>
         </p:spPr>
@@ -32020,7 +31962,7 @@
           </a:ln>
           <a:extLst>
             <a:ext uri="{C572A759-6A51-4108-AA02-DFA0A04FC94B}">
-              <ma14:wrappingTextBoxFlag xmlns:ma14="http://schemas.microsoft.com/office/mac/drawingml/2011/main" xmlns:a14="http://schemas.microsoft.com/office/drawing/2010/main" xmlns:m="http://schemas.openxmlformats.org/officeDocument/2006/math" xmlns="" val="1"/>
+              <ma14:wrappingTextBoxFlag xmlns="" xmlns:m="http://schemas.openxmlformats.org/officeDocument/2006/math" xmlns:a14="http://schemas.microsoft.com/office/drawing/2010/main" xmlns:ma14="http://schemas.microsoft.com/office/mac/drawingml/2011/main" val="1"/>
             </a:ext>
           </a:extLst>
         </p:spPr>
@@ -32177,7 +32119,7 @@
           </a:ln>
           <a:extLst>
             <a:ext uri="{C572A759-6A51-4108-AA02-DFA0A04FC94B}">
-              <ma14:wrappingTextBoxFlag xmlns:ma14="http://schemas.microsoft.com/office/mac/drawingml/2011/main" xmlns:a14="http://schemas.microsoft.com/office/drawing/2010/main" xmlns:m="http://schemas.openxmlformats.org/officeDocument/2006/math" xmlns="" val="1"/>
+              <ma14:wrappingTextBoxFlag xmlns="" xmlns:m="http://schemas.openxmlformats.org/officeDocument/2006/math" xmlns:a14="http://schemas.microsoft.com/office/drawing/2010/main" xmlns:ma14="http://schemas.microsoft.com/office/mac/drawingml/2011/main" val="1"/>
             </a:ext>
           </a:extLst>
         </p:spPr>
@@ -32467,7 +32409,7 @@
           </a:ln>
           <a:extLst>
             <a:ext uri="{C572A759-6A51-4108-AA02-DFA0A04FC94B}">
-              <ma14:wrappingTextBoxFlag xmlns:ma14="http://schemas.microsoft.com/office/mac/drawingml/2011/main" xmlns:a14="http://schemas.microsoft.com/office/drawing/2010/main" xmlns:m="http://schemas.openxmlformats.org/officeDocument/2006/math" xmlns="" val="1"/>
+              <ma14:wrappingTextBoxFlag xmlns="" xmlns:m="http://schemas.openxmlformats.org/officeDocument/2006/math" xmlns:a14="http://schemas.microsoft.com/office/drawing/2010/main" xmlns:ma14="http://schemas.microsoft.com/office/mac/drawingml/2011/main" val="1"/>
             </a:ext>
           </a:extLst>
         </p:spPr>
@@ -32788,7 +32730,7 @@
           </a:ln>
           <a:extLst>
             <a:ext uri="{C572A759-6A51-4108-AA02-DFA0A04FC94B}">
-              <ma14:wrappingTextBoxFlag xmlns:ma14="http://schemas.microsoft.com/office/mac/drawingml/2011/main" xmlns:a14="http://schemas.microsoft.com/office/drawing/2010/main" xmlns:m="http://schemas.openxmlformats.org/officeDocument/2006/math" xmlns="" val="1"/>
+              <ma14:wrappingTextBoxFlag xmlns="" xmlns:m="http://schemas.openxmlformats.org/officeDocument/2006/math" xmlns:a14="http://schemas.microsoft.com/office/drawing/2010/main" xmlns:ma14="http://schemas.microsoft.com/office/mac/drawingml/2011/main" val="1"/>
             </a:ext>
           </a:extLst>
         </p:spPr>
@@ -33023,7 +32965,7 @@
           </a:ln>
           <a:extLst>
             <a:ext uri="{C572A759-6A51-4108-AA02-DFA0A04FC94B}">
-              <ma14:wrappingTextBoxFlag xmlns:ma14="http://schemas.microsoft.com/office/mac/drawingml/2011/main" xmlns:a14="http://schemas.microsoft.com/office/drawing/2010/main" xmlns:m="http://schemas.openxmlformats.org/officeDocument/2006/math" xmlns="" val="1"/>
+              <ma14:wrappingTextBoxFlag xmlns="" xmlns:m="http://schemas.openxmlformats.org/officeDocument/2006/math" xmlns:a14="http://schemas.microsoft.com/office/drawing/2010/main" xmlns:ma14="http://schemas.microsoft.com/office/mac/drawingml/2011/main" val="1"/>
             </a:ext>
           </a:extLst>
         </p:spPr>
@@ -33306,7 +33248,7 @@
           </a:ln>
           <a:extLst>
             <a:ext uri="{C572A759-6A51-4108-AA02-DFA0A04FC94B}">
-              <ma14:wrappingTextBoxFlag xmlns:ma14="http://schemas.microsoft.com/office/mac/drawingml/2011/main" xmlns:a14="http://schemas.microsoft.com/office/drawing/2010/main" xmlns:m="http://schemas.openxmlformats.org/officeDocument/2006/math" xmlns="" val="1"/>
+              <ma14:wrappingTextBoxFlag xmlns="" xmlns:m="http://schemas.openxmlformats.org/officeDocument/2006/math" xmlns:a14="http://schemas.microsoft.com/office/drawing/2010/main" xmlns:ma14="http://schemas.microsoft.com/office/mac/drawingml/2011/main" val="1"/>
             </a:ext>
           </a:extLst>
         </p:spPr>
@@ -33577,7 +33519,7 @@
           </a:ln>
           <a:extLst>
             <a:ext uri="{C572A759-6A51-4108-AA02-DFA0A04FC94B}">
-              <ma14:wrappingTextBoxFlag xmlns:ma14="http://schemas.microsoft.com/office/mac/drawingml/2011/main" xmlns:a14="http://schemas.microsoft.com/office/drawing/2010/main" xmlns:m="http://schemas.openxmlformats.org/officeDocument/2006/math" xmlns="" val="1"/>
+              <ma14:wrappingTextBoxFlag xmlns="" xmlns:m="http://schemas.openxmlformats.org/officeDocument/2006/math" xmlns:a14="http://schemas.microsoft.com/office/drawing/2010/main" xmlns:ma14="http://schemas.microsoft.com/office/mac/drawingml/2011/main" val="1"/>
             </a:ext>
           </a:extLst>
         </p:spPr>
@@ -33860,7 +33802,7 @@
           </a:ln>
           <a:extLst>
             <a:ext uri="{C572A759-6A51-4108-AA02-DFA0A04FC94B}">
-              <ma14:wrappingTextBoxFlag xmlns:ma14="http://schemas.microsoft.com/office/mac/drawingml/2011/main" xmlns:a14="http://schemas.microsoft.com/office/drawing/2010/main" xmlns:m="http://schemas.openxmlformats.org/officeDocument/2006/math" xmlns="" val="1"/>
+              <ma14:wrappingTextBoxFlag xmlns="" xmlns:m="http://schemas.openxmlformats.org/officeDocument/2006/math" xmlns:a14="http://schemas.microsoft.com/office/drawing/2010/main" xmlns:ma14="http://schemas.microsoft.com/office/mac/drawingml/2011/main" val="1"/>
             </a:ext>
           </a:extLst>
         </p:spPr>
@@ -34115,7 +34057,7 @@
           </a:ln>
           <a:extLst>
             <a:ext uri="{C572A759-6A51-4108-AA02-DFA0A04FC94B}">
-              <ma14:wrappingTextBoxFlag xmlns:ma14="http://schemas.microsoft.com/office/mac/drawingml/2011/main" xmlns:a14="http://schemas.microsoft.com/office/drawing/2010/main" xmlns:m="http://schemas.openxmlformats.org/officeDocument/2006/math" xmlns="" val="1"/>
+              <ma14:wrappingTextBoxFlag xmlns="" xmlns:m="http://schemas.openxmlformats.org/officeDocument/2006/math" xmlns:a14="http://schemas.microsoft.com/office/drawing/2010/main" xmlns:ma14="http://schemas.microsoft.com/office/mac/drawingml/2011/main" val="1"/>
             </a:ext>
           </a:extLst>
         </p:spPr>
@@ -34188,7 +34130,7 @@
           </a:ln>
           <a:extLst>
             <a:ext uri="{C572A759-6A51-4108-AA02-DFA0A04FC94B}">
-              <ma14:wrappingTextBoxFlag xmlns:ma14="http://schemas.microsoft.com/office/mac/drawingml/2011/main" xmlns:a14="http://schemas.microsoft.com/office/drawing/2010/main" xmlns:m="http://schemas.openxmlformats.org/officeDocument/2006/math" xmlns="" val="1"/>
+              <ma14:wrappingTextBoxFlag xmlns="" xmlns:m="http://schemas.openxmlformats.org/officeDocument/2006/math" xmlns:a14="http://schemas.microsoft.com/office/drawing/2010/main" xmlns:ma14="http://schemas.microsoft.com/office/mac/drawingml/2011/main" val="1"/>
             </a:ext>
           </a:extLst>
         </p:spPr>
@@ -34310,7 +34252,7 @@
           </a:ln>
           <a:extLst>
             <a:ext uri="{C572A759-6A51-4108-AA02-DFA0A04FC94B}">
-              <ma14:wrappingTextBoxFlag xmlns:ma14="http://schemas.microsoft.com/office/mac/drawingml/2011/main" xmlns:a14="http://schemas.microsoft.com/office/drawing/2010/main" xmlns:m="http://schemas.openxmlformats.org/officeDocument/2006/math" xmlns="" val="1"/>
+              <ma14:wrappingTextBoxFlag xmlns="" xmlns:m="http://schemas.openxmlformats.org/officeDocument/2006/math" xmlns:a14="http://schemas.microsoft.com/office/drawing/2010/main" xmlns:ma14="http://schemas.microsoft.com/office/mac/drawingml/2011/main" val="1"/>
             </a:ext>
           </a:extLst>
         </p:spPr>
@@ -34432,7 +34374,7 @@
           </a:ln>
           <a:extLst>
             <a:ext uri="{C572A759-6A51-4108-AA02-DFA0A04FC94B}">
-              <ma14:wrappingTextBoxFlag xmlns:ma14="http://schemas.microsoft.com/office/mac/drawingml/2011/main" xmlns:a14="http://schemas.microsoft.com/office/drawing/2010/main" xmlns:m="http://schemas.openxmlformats.org/officeDocument/2006/math" xmlns="" val="1"/>
+              <ma14:wrappingTextBoxFlag xmlns="" xmlns:m="http://schemas.openxmlformats.org/officeDocument/2006/math" xmlns:a14="http://schemas.microsoft.com/office/drawing/2010/main" xmlns:ma14="http://schemas.microsoft.com/office/mac/drawingml/2011/main" val="1"/>
             </a:ext>
           </a:extLst>
         </p:spPr>
@@ -34559,7 +34501,7 @@
           </a:ln>
           <a:extLst>
             <a:ext uri="{C572A759-6A51-4108-AA02-DFA0A04FC94B}">
-              <ma14:wrappingTextBoxFlag xmlns:ma14="http://schemas.microsoft.com/office/mac/drawingml/2011/main" xmlns:a14="http://schemas.microsoft.com/office/drawing/2010/main" xmlns:m="http://schemas.openxmlformats.org/officeDocument/2006/math" xmlns="" val="1"/>
+              <ma14:wrappingTextBoxFlag xmlns="" xmlns:m="http://schemas.openxmlformats.org/officeDocument/2006/math" xmlns:a14="http://schemas.microsoft.com/office/drawing/2010/main" xmlns:ma14="http://schemas.microsoft.com/office/mac/drawingml/2011/main" val="1"/>
             </a:ext>
           </a:extLst>
         </p:spPr>
@@ -34736,7 +34678,7 @@
           </a:ln>
           <a:extLst>
             <a:ext uri="{C572A759-6A51-4108-AA02-DFA0A04FC94B}">
-              <ma14:wrappingTextBoxFlag xmlns:ma14="http://schemas.microsoft.com/office/mac/drawingml/2011/main" xmlns:a14="http://schemas.microsoft.com/office/drawing/2010/main" xmlns:m="http://schemas.openxmlformats.org/officeDocument/2006/math" xmlns="" val="1"/>
+              <ma14:wrappingTextBoxFlag xmlns="" xmlns:m="http://schemas.openxmlformats.org/officeDocument/2006/math" xmlns:a14="http://schemas.microsoft.com/office/drawing/2010/main" xmlns:ma14="http://schemas.microsoft.com/office/mac/drawingml/2011/main" val="1"/>
             </a:ext>
           </a:extLst>
         </p:spPr>
@@ -34945,7 +34887,7 @@
           </a:ln>
           <a:extLst>
             <a:ext uri="{C572A759-6A51-4108-AA02-DFA0A04FC94B}">
-              <ma14:wrappingTextBoxFlag xmlns:ma14="http://schemas.microsoft.com/office/mac/drawingml/2011/main" xmlns:a14="http://schemas.microsoft.com/office/drawing/2010/main" xmlns:m="http://schemas.openxmlformats.org/officeDocument/2006/math" xmlns="" val="1"/>
+              <ma14:wrappingTextBoxFlag xmlns="" xmlns:m="http://schemas.openxmlformats.org/officeDocument/2006/math" xmlns:a14="http://schemas.microsoft.com/office/drawing/2010/main" xmlns:ma14="http://schemas.microsoft.com/office/mac/drawingml/2011/main" val="1"/>
             </a:ext>
           </a:extLst>
         </p:spPr>
@@ -35084,7 +35026,7 @@
           </a:ln>
           <a:extLst>
             <a:ext uri="{C572A759-6A51-4108-AA02-DFA0A04FC94B}">
-              <ma14:wrappingTextBoxFlag xmlns:ma14="http://schemas.microsoft.com/office/mac/drawingml/2011/main" xmlns:a14="http://schemas.microsoft.com/office/drawing/2010/main" xmlns:m="http://schemas.openxmlformats.org/officeDocument/2006/math" xmlns="" val="1"/>
+              <ma14:wrappingTextBoxFlag xmlns="" xmlns:m="http://schemas.openxmlformats.org/officeDocument/2006/math" xmlns:a14="http://schemas.microsoft.com/office/drawing/2010/main" xmlns:ma14="http://schemas.microsoft.com/office/mac/drawingml/2011/main" val="1"/>
             </a:ext>
           </a:extLst>
         </p:spPr>
@@ -35133,7 +35075,7 @@
           </a:ln>
           <a:extLst>
             <a:ext uri="{C572A759-6A51-4108-AA02-DFA0A04FC94B}">
-              <ma14:wrappingTextBoxFlag xmlns:ma14="http://schemas.microsoft.com/office/mac/drawingml/2011/main" xmlns:a14="http://schemas.microsoft.com/office/drawing/2010/main" xmlns:m="http://schemas.openxmlformats.org/officeDocument/2006/math" xmlns="" val="1"/>
+              <ma14:wrappingTextBoxFlag xmlns="" xmlns:m="http://schemas.openxmlformats.org/officeDocument/2006/math" xmlns:a14="http://schemas.microsoft.com/office/drawing/2010/main" xmlns:ma14="http://schemas.microsoft.com/office/mac/drawingml/2011/main" val="1"/>
             </a:ext>
           </a:extLst>
         </p:spPr>
@@ -35194,7 +35136,7 @@
           </a:ln>
           <a:extLst>
             <a:ext uri="{C572A759-6A51-4108-AA02-DFA0A04FC94B}">
-              <ma14:wrappingTextBoxFlag xmlns:ma14="http://schemas.microsoft.com/office/mac/drawingml/2011/main" xmlns:a14="http://schemas.microsoft.com/office/drawing/2010/main" xmlns:m="http://schemas.openxmlformats.org/officeDocument/2006/math" xmlns="" val="1"/>
+              <ma14:wrappingTextBoxFlag xmlns="" xmlns:m="http://schemas.openxmlformats.org/officeDocument/2006/math" xmlns:a14="http://schemas.microsoft.com/office/drawing/2010/main" xmlns:ma14="http://schemas.microsoft.com/office/mac/drawingml/2011/main" val="1"/>
             </a:ext>
           </a:extLst>
         </p:spPr>
@@ -35317,7 +35259,7 @@
           </a:ln>
           <a:extLst>
             <a:ext uri="{C572A759-6A51-4108-AA02-DFA0A04FC94B}">
-              <ma14:wrappingTextBoxFlag xmlns:ma14="http://schemas.microsoft.com/office/mac/drawingml/2011/main" xmlns:a14="http://schemas.microsoft.com/office/drawing/2010/main" xmlns:m="http://schemas.openxmlformats.org/officeDocument/2006/math" xmlns="" val="1"/>
+              <ma14:wrappingTextBoxFlag xmlns="" xmlns:m="http://schemas.openxmlformats.org/officeDocument/2006/math" xmlns:a14="http://schemas.microsoft.com/office/drawing/2010/main" xmlns:ma14="http://schemas.microsoft.com/office/mac/drawingml/2011/main" val="1"/>
             </a:ext>
           </a:extLst>
         </p:spPr>
@@ -35580,7 +35522,7 @@
           </a:ln>
           <a:extLst>
             <a:ext uri="{C572A759-6A51-4108-AA02-DFA0A04FC94B}">
-              <ma14:wrappingTextBoxFlag xmlns:ma14="http://schemas.microsoft.com/office/mac/drawingml/2011/main" xmlns:a14="http://schemas.microsoft.com/office/drawing/2010/main" xmlns:m="http://schemas.openxmlformats.org/officeDocument/2006/math" xmlns="" val="1"/>
+              <ma14:wrappingTextBoxFlag xmlns="" xmlns:m="http://schemas.openxmlformats.org/officeDocument/2006/math" xmlns:a14="http://schemas.microsoft.com/office/drawing/2010/main" xmlns:ma14="http://schemas.microsoft.com/office/mac/drawingml/2011/main" val="1"/>
             </a:ext>
           </a:extLst>
         </p:spPr>
@@ -35774,7 +35716,7 @@
           </a:ln>
           <a:extLst>
             <a:ext uri="{C572A759-6A51-4108-AA02-DFA0A04FC94B}">
-              <ma14:wrappingTextBoxFlag xmlns:ma14="http://schemas.microsoft.com/office/mac/drawingml/2011/main" xmlns:a14="http://schemas.microsoft.com/office/drawing/2010/main" xmlns:m="http://schemas.openxmlformats.org/officeDocument/2006/math" xmlns="" val="1"/>
+              <ma14:wrappingTextBoxFlag xmlns="" xmlns:m="http://schemas.openxmlformats.org/officeDocument/2006/math" xmlns:a14="http://schemas.microsoft.com/office/drawing/2010/main" xmlns:ma14="http://schemas.microsoft.com/office/mac/drawingml/2011/main" val="1"/>
             </a:ext>
           </a:extLst>
         </p:spPr>
@@ -35968,7 +35910,7 @@
           </a:ln>
           <a:extLst>
             <a:ext uri="{C572A759-6A51-4108-AA02-DFA0A04FC94B}">
-              <ma14:wrappingTextBoxFlag xmlns:ma14="http://schemas.microsoft.com/office/mac/drawingml/2011/main" xmlns:a14="http://schemas.microsoft.com/office/drawing/2010/main" xmlns:m="http://schemas.openxmlformats.org/officeDocument/2006/math" xmlns="" val="1"/>
+              <ma14:wrappingTextBoxFlag xmlns="" xmlns:m="http://schemas.openxmlformats.org/officeDocument/2006/math" xmlns:a14="http://schemas.microsoft.com/office/drawing/2010/main" xmlns:ma14="http://schemas.microsoft.com/office/mac/drawingml/2011/main" val="1"/>
             </a:ext>
           </a:extLst>
         </p:spPr>
@@ -36186,7 +36128,7 @@
           </a:ln>
           <a:extLst>
             <a:ext uri="{C572A759-6A51-4108-AA02-DFA0A04FC94B}">
-              <ma14:wrappingTextBoxFlag xmlns:ma14="http://schemas.microsoft.com/office/mac/drawingml/2011/main" xmlns:a14="http://schemas.microsoft.com/office/drawing/2010/main" xmlns:m="http://schemas.openxmlformats.org/officeDocument/2006/math" xmlns="" val="1"/>
+              <ma14:wrappingTextBoxFlag xmlns="" xmlns:m="http://schemas.openxmlformats.org/officeDocument/2006/math" xmlns:a14="http://schemas.microsoft.com/office/drawing/2010/main" xmlns:ma14="http://schemas.microsoft.com/office/mac/drawingml/2011/main" val="1"/>
             </a:ext>
           </a:extLst>
         </p:spPr>
@@ -36388,7 +36330,7 @@
           </a:ln>
           <a:extLst>
             <a:ext uri="{C572A759-6A51-4108-AA02-DFA0A04FC94B}">
-              <ma14:wrappingTextBoxFlag xmlns:ma14="http://schemas.microsoft.com/office/mac/drawingml/2011/main" xmlns:a14="http://schemas.microsoft.com/office/drawing/2010/main" xmlns:m="http://schemas.openxmlformats.org/officeDocument/2006/math" xmlns="" val="1"/>
+              <ma14:wrappingTextBoxFlag xmlns="" xmlns:m="http://schemas.openxmlformats.org/officeDocument/2006/math" xmlns:a14="http://schemas.microsoft.com/office/drawing/2010/main" xmlns:ma14="http://schemas.microsoft.com/office/mac/drawingml/2011/main" val="1"/>
             </a:ext>
           </a:extLst>
         </p:spPr>
@@ -36449,7 +36391,7 @@
           </a:ln>
           <a:extLst>
             <a:ext uri="{C572A759-6A51-4108-AA02-DFA0A04FC94B}">
-              <ma14:wrappingTextBoxFlag xmlns:ma14="http://schemas.microsoft.com/office/mac/drawingml/2011/main" xmlns:a14="http://schemas.microsoft.com/office/drawing/2010/main" xmlns:m="http://schemas.openxmlformats.org/officeDocument/2006/math" xmlns="" val="1"/>
+              <ma14:wrappingTextBoxFlag xmlns="" xmlns:m="http://schemas.openxmlformats.org/officeDocument/2006/math" xmlns:a14="http://schemas.microsoft.com/office/drawing/2010/main" xmlns:ma14="http://schemas.microsoft.com/office/mac/drawingml/2011/main" val="1"/>
             </a:ext>
           </a:extLst>
         </p:spPr>
@@ -36539,7 +36481,7 @@
           </a:ln>
           <a:extLst>
             <a:ext uri="{C572A759-6A51-4108-AA02-DFA0A04FC94B}">
-              <ma14:wrappingTextBoxFlag xmlns:ma14="http://schemas.microsoft.com/office/mac/drawingml/2011/main" xmlns:a14="http://schemas.microsoft.com/office/drawing/2010/main" xmlns:m="http://schemas.openxmlformats.org/officeDocument/2006/math" xmlns="" val="1"/>
+              <ma14:wrappingTextBoxFlag xmlns="" xmlns:m="http://schemas.openxmlformats.org/officeDocument/2006/math" xmlns:a14="http://schemas.microsoft.com/office/drawing/2010/main" xmlns:ma14="http://schemas.microsoft.com/office/mac/drawingml/2011/main" val="1"/>
             </a:ext>
           </a:extLst>
         </p:spPr>
@@ -36588,7 +36530,7 @@
           </a:ln>
           <a:extLst>
             <a:ext uri="{C572A759-6A51-4108-AA02-DFA0A04FC94B}">
-              <ma14:wrappingTextBoxFlag xmlns:ma14="http://schemas.microsoft.com/office/mac/drawingml/2011/main" xmlns:a14="http://schemas.microsoft.com/office/drawing/2010/main" xmlns:m="http://schemas.openxmlformats.org/officeDocument/2006/math" xmlns="" val="1"/>
+              <ma14:wrappingTextBoxFlag xmlns="" xmlns:m="http://schemas.openxmlformats.org/officeDocument/2006/math" xmlns:a14="http://schemas.microsoft.com/office/drawing/2010/main" xmlns:ma14="http://schemas.microsoft.com/office/mac/drawingml/2011/main" val="1"/>
             </a:ext>
           </a:extLst>
         </p:spPr>
@@ -36942,7 +36884,7 @@
           </a:ln>
           <a:extLst>
             <a:ext uri="{C572A759-6A51-4108-AA02-DFA0A04FC94B}">
-              <ma14:wrappingTextBoxFlag xmlns:ma14="http://schemas.microsoft.com/office/mac/drawingml/2011/main" xmlns:a14="http://schemas.microsoft.com/office/drawing/2010/main" xmlns:m="http://schemas.openxmlformats.org/officeDocument/2006/math" xmlns="" val="1"/>
+              <ma14:wrappingTextBoxFlag xmlns="" xmlns:m="http://schemas.openxmlformats.org/officeDocument/2006/math" xmlns:a14="http://schemas.microsoft.com/office/drawing/2010/main" xmlns:ma14="http://schemas.microsoft.com/office/mac/drawingml/2011/main" val="1"/>
             </a:ext>
           </a:extLst>
         </p:spPr>
@@ -37136,7 +37078,7 @@
           </a:ln>
           <a:extLst>
             <a:ext uri="{C572A759-6A51-4108-AA02-DFA0A04FC94B}">
-              <ma14:wrappingTextBoxFlag xmlns:ma14="http://schemas.microsoft.com/office/mac/drawingml/2011/main" xmlns:a14="http://schemas.microsoft.com/office/drawing/2010/main" xmlns:m="http://schemas.openxmlformats.org/officeDocument/2006/math" xmlns="" val="1"/>
+              <ma14:wrappingTextBoxFlag xmlns="" xmlns:m="http://schemas.openxmlformats.org/officeDocument/2006/math" xmlns:a14="http://schemas.microsoft.com/office/drawing/2010/main" xmlns:ma14="http://schemas.microsoft.com/office/mac/drawingml/2011/main" val="1"/>
             </a:ext>
           </a:extLst>
         </p:spPr>
@@ -37197,7 +37139,7 @@
           </a:ln>
           <a:extLst>
             <a:ext uri="{C572A759-6A51-4108-AA02-DFA0A04FC94B}">
-              <ma14:wrappingTextBoxFlag xmlns:ma14="http://schemas.microsoft.com/office/mac/drawingml/2011/main" xmlns:a14="http://schemas.microsoft.com/office/drawing/2010/main" xmlns:m="http://schemas.openxmlformats.org/officeDocument/2006/math" xmlns="" val="1"/>
+              <ma14:wrappingTextBoxFlag xmlns="" xmlns:m="http://schemas.openxmlformats.org/officeDocument/2006/math" xmlns:a14="http://schemas.microsoft.com/office/drawing/2010/main" xmlns:ma14="http://schemas.microsoft.com/office/mac/drawingml/2011/main" val="1"/>
             </a:ext>
           </a:extLst>
         </p:spPr>
@@ -37287,7 +37229,7 @@
           </a:ln>
           <a:extLst>
             <a:ext uri="{C572A759-6A51-4108-AA02-DFA0A04FC94B}">
-              <ma14:wrappingTextBoxFlag xmlns:ma14="http://schemas.microsoft.com/office/mac/drawingml/2011/main" xmlns:a14="http://schemas.microsoft.com/office/drawing/2010/main" xmlns:m="http://schemas.openxmlformats.org/officeDocument/2006/math" xmlns="" val="1"/>
+              <ma14:wrappingTextBoxFlag xmlns="" xmlns:m="http://schemas.openxmlformats.org/officeDocument/2006/math" xmlns:a14="http://schemas.microsoft.com/office/drawing/2010/main" xmlns:ma14="http://schemas.microsoft.com/office/mac/drawingml/2011/main" val="1"/>
             </a:ext>
           </a:extLst>
         </p:spPr>
@@ -37336,7 +37278,7 @@
           </a:ln>
           <a:extLst>
             <a:ext uri="{C572A759-6A51-4108-AA02-DFA0A04FC94B}">
-              <ma14:wrappingTextBoxFlag xmlns:ma14="http://schemas.microsoft.com/office/mac/drawingml/2011/main" xmlns:a14="http://schemas.microsoft.com/office/drawing/2010/main" xmlns:m="http://schemas.openxmlformats.org/officeDocument/2006/math" xmlns="" val="1"/>
+              <ma14:wrappingTextBoxFlag xmlns="" xmlns:m="http://schemas.openxmlformats.org/officeDocument/2006/math" xmlns:a14="http://schemas.microsoft.com/office/drawing/2010/main" xmlns:ma14="http://schemas.microsoft.com/office/mac/drawingml/2011/main" val="1"/>
             </a:ext>
           </a:extLst>
         </p:spPr>
@@ -37690,7 +37632,7 @@
           </a:ln>
           <a:extLst>
             <a:ext uri="{C572A759-6A51-4108-AA02-DFA0A04FC94B}">
-              <ma14:wrappingTextBoxFlag xmlns:ma14="http://schemas.microsoft.com/office/mac/drawingml/2011/main" xmlns:a14="http://schemas.microsoft.com/office/drawing/2010/main" xmlns:m="http://schemas.openxmlformats.org/officeDocument/2006/math" xmlns="" val="1"/>
+              <ma14:wrappingTextBoxFlag xmlns="" xmlns:m="http://schemas.openxmlformats.org/officeDocument/2006/math" xmlns:a14="http://schemas.microsoft.com/office/drawing/2010/main" xmlns:ma14="http://schemas.microsoft.com/office/mac/drawingml/2011/main" val="1"/>
             </a:ext>
           </a:extLst>
         </p:spPr>
@@ -39847,7 +39789,7 @@
           </a:ln>
           <a:extLst>
             <a:ext uri="{C572A759-6A51-4108-AA02-DFA0A04FC94B}">
-              <ma14:wrappingTextBoxFlag xmlns:ma14="http://schemas.microsoft.com/office/mac/drawingml/2011/main" xmlns:a14="http://schemas.microsoft.com/office/drawing/2010/main" xmlns:m="http://schemas.openxmlformats.org/officeDocument/2006/math" xmlns="" val="1"/>
+              <ma14:wrappingTextBoxFlag xmlns="" xmlns:m="http://schemas.openxmlformats.org/officeDocument/2006/math" xmlns:a14="http://schemas.microsoft.com/office/drawing/2010/main" xmlns:ma14="http://schemas.microsoft.com/office/mac/drawingml/2011/main" val="1"/>
             </a:ext>
           </a:extLst>
         </p:spPr>
@@ -39908,7 +39850,7 @@
           </a:ln>
           <a:extLst>
             <a:ext uri="{C572A759-6A51-4108-AA02-DFA0A04FC94B}">
-              <ma14:wrappingTextBoxFlag xmlns:ma14="http://schemas.microsoft.com/office/mac/drawingml/2011/main" xmlns:a14="http://schemas.microsoft.com/office/drawing/2010/main" xmlns:m="http://schemas.openxmlformats.org/officeDocument/2006/math" xmlns="" val="1"/>
+              <ma14:wrappingTextBoxFlag xmlns="" xmlns:m="http://schemas.openxmlformats.org/officeDocument/2006/math" xmlns:a14="http://schemas.microsoft.com/office/drawing/2010/main" xmlns:ma14="http://schemas.microsoft.com/office/mac/drawingml/2011/main" val="1"/>
             </a:ext>
           </a:extLst>
         </p:spPr>
@@ -39957,7 +39899,7 @@
           </a:ln>
           <a:extLst>
             <a:ext uri="{C572A759-6A51-4108-AA02-DFA0A04FC94B}">
-              <ma14:wrappingTextBoxFlag xmlns:ma14="http://schemas.microsoft.com/office/mac/drawingml/2011/main" xmlns:a14="http://schemas.microsoft.com/office/drawing/2010/main" xmlns:m="http://schemas.openxmlformats.org/officeDocument/2006/math" xmlns="" val="1"/>
+              <ma14:wrappingTextBoxFlag xmlns="" xmlns:m="http://schemas.openxmlformats.org/officeDocument/2006/math" xmlns:a14="http://schemas.microsoft.com/office/drawing/2010/main" xmlns:ma14="http://schemas.microsoft.com/office/mac/drawingml/2011/main" val="1"/>
             </a:ext>
           </a:extLst>
         </p:spPr>
@@ -40041,7 +39983,7 @@
           </a:ln>
           <a:extLst>
             <a:ext uri="{C572A759-6A51-4108-AA02-DFA0A04FC94B}">
-              <ma14:wrappingTextBoxFlag xmlns:ma14="http://schemas.microsoft.com/office/mac/drawingml/2011/main" xmlns:a14="http://schemas.microsoft.com/office/drawing/2010/main" xmlns:m="http://schemas.openxmlformats.org/officeDocument/2006/math" xmlns="" val="1"/>
+              <ma14:wrappingTextBoxFlag xmlns="" xmlns:m="http://schemas.openxmlformats.org/officeDocument/2006/math" xmlns:a14="http://schemas.microsoft.com/office/drawing/2010/main" xmlns:ma14="http://schemas.microsoft.com/office/mac/drawingml/2011/main" val="1"/>
             </a:ext>
           </a:extLst>
         </p:spPr>
@@ -40090,7 +40032,7 @@
           </a:ln>
           <a:extLst>
             <a:ext uri="{C572A759-6A51-4108-AA02-DFA0A04FC94B}">
-              <ma14:wrappingTextBoxFlag xmlns:ma14="http://schemas.microsoft.com/office/mac/drawingml/2011/main" xmlns:a14="http://schemas.microsoft.com/office/drawing/2010/main" xmlns:m="http://schemas.openxmlformats.org/officeDocument/2006/math" xmlns="" val="1"/>
+              <ma14:wrappingTextBoxFlag xmlns="" xmlns:m="http://schemas.openxmlformats.org/officeDocument/2006/math" xmlns:a14="http://schemas.microsoft.com/office/drawing/2010/main" xmlns:ma14="http://schemas.microsoft.com/office/mac/drawingml/2011/main" val="1"/>
             </a:ext>
           </a:extLst>
         </p:spPr>
@@ -40174,7 +40116,7 @@
           </a:ln>
           <a:extLst>
             <a:ext uri="{C572A759-6A51-4108-AA02-DFA0A04FC94B}">
-              <ma14:wrappingTextBoxFlag xmlns:ma14="http://schemas.microsoft.com/office/mac/drawingml/2011/main" xmlns:a14="http://schemas.microsoft.com/office/drawing/2010/main" xmlns:m="http://schemas.openxmlformats.org/officeDocument/2006/math" xmlns="" val="1"/>
+              <ma14:wrappingTextBoxFlag xmlns="" xmlns:m="http://schemas.openxmlformats.org/officeDocument/2006/math" xmlns:a14="http://schemas.microsoft.com/office/drawing/2010/main" xmlns:ma14="http://schemas.microsoft.com/office/mac/drawingml/2011/main" val="1"/>
             </a:ext>
           </a:extLst>
         </p:spPr>
@@ -40223,7 +40165,7 @@
           </a:ln>
           <a:extLst>
             <a:ext uri="{C572A759-6A51-4108-AA02-DFA0A04FC94B}">
-              <ma14:wrappingTextBoxFlag xmlns:ma14="http://schemas.microsoft.com/office/mac/drawingml/2011/main" xmlns:a14="http://schemas.microsoft.com/office/drawing/2010/main" xmlns:m="http://schemas.openxmlformats.org/officeDocument/2006/math" xmlns="" val="1"/>
+              <ma14:wrappingTextBoxFlag xmlns="" xmlns:m="http://schemas.openxmlformats.org/officeDocument/2006/math" xmlns:a14="http://schemas.microsoft.com/office/drawing/2010/main" xmlns:ma14="http://schemas.microsoft.com/office/mac/drawingml/2011/main" val="1"/>
             </a:ext>
           </a:extLst>
         </p:spPr>
@@ -40307,7 +40249,7 @@
           </a:ln>
           <a:extLst>
             <a:ext uri="{C572A759-6A51-4108-AA02-DFA0A04FC94B}">
-              <ma14:wrappingTextBoxFlag xmlns:ma14="http://schemas.microsoft.com/office/mac/drawingml/2011/main" xmlns:a14="http://schemas.microsoft.com/office/drawing/2010/main" xmlns:m="http://schemas.openxmlformats.org/officeDocument/2006/math" xmlns="" val="1"/>
+              <ma14:wrappingTextBoxFlag xmlns="" xmlns:m="http://schemas.openxmlformats.org/officeDocument/2006/math" xmlns:a14="http://schemas.microsoft.com/office/drawing/2010/main" xmlns:ma14="http://schemas.microsoft.com/office/mac/drawingml/2011/main" val="1"/>
             </a:ext>
           </a:extLst>
         </p:spPr>
@@ -40391,7 +40333,7 @@
           </a:ln>
           <a:extLst>
             <a:ext uri="{C572A759-6A51-4108-AA02-DFA0A04FC94B}">
-              <ma14:wrappingTextBoxFlag xmlns:ma14="http://schemas.microsoft.com/office/mac/drawingml/2011/main" xmlns:a14="http://schemas.microsoft.com/office/drawing/2010/main" xmlns:m="http://schemas.openxmlformats.org/officeDocument/2006/math" xmlns="" val="1"/>
+              <ma14:wrappingTextBoxFlag xmlns="" xmlns:m="http://schemas.openxmlformats.org/officeDocument/2006/math" xmlns:a14="http://schemas.microsoft.com/office/drawing/2010/main" xmlns:ma14="http://schemas.microsoft.com/office/mac/drawingml/2011/main" val="1"/>
             </a:ext>
           </a:extLst>
         </p:spPr>
@@ -40467,7 +40409,7 @@
           </a:ln>
           <a:extLst>
             <a:ext uri="{C572A759-6A51-4108-AA02-DFA0A04FC94B}">
-              <ma14:wrappingTextBoxFlag xmlns:ma14="http://schemas.microsoft.com/office/mac/drawingml/2011/main" xmlns:a14="http://schemas.microsoft.com/office/drawing/2010/main" xmlns:m="http://schemas.openxmlformats.org/officeDocument/2006/math" xmlns="" val="1"/>
+              <ma14:wrappingTextBoxFlag xmlns="" xmlns:m="http://schemas.openxmlformats.org/officeDocument/2006/math" xmlns:a14="http://schemas.microsoft.com/office/drawing/2010/main" xmlns:ma14="http://schemas.microsoft.com/office/mac/drawingml/2011/main" val="1"/>
             </a:ext>
           </a:extLst>
         </p:spPr>
@@ -40545,7 +40487,7 @@
           </a:ln>
           <a:extLst>
             <a:ext uri="{C572A759-6A51-4108-AA02-DFA0A04FC94B}">
-              <ma14:wrappingTextBoxFlag xmlns:ma14="http://schemas.microsoft.com/office/mac/drawingml/2011/main" xmlns:a14="http://schemas.microsoft.com/office/drawing/2010/main" xmlns:m="http://schemas.openxmlformats.org/officeDocument/2006/math" xmlns="" val="1"/>
+              <ma14:wrappingTextBoxFlag xmlns="" xmlns:m="http://schemas.openxmlformats.org/officeDocument/2006/math" xmlns:a14="http://schemas.microsoft.com/office/drawing/2010/main" xmlns:ma14="http://schemas.microsoft.com/office/mac/drawingml/2011/main" val="1"/>
             </a:ext>
           </a:extLst>
         </p:spPr>
@@ -40591,7 +40533,7 @@
           </a:ln>
           <a:extLst>
             <a:ext uri="{C572A759-6A51-4108-AA02-DFA0A04FC94B}">
-              <ma14:wrappingTextBoxFlag xmlns:ma14="http://schemas.microsoft.com/office/mac/drawingml/2011/main" xmlns:a14="http://schemas.microsoft.com/office/drawing/2010/main" xmlns:m="http://schemas.openxmlformats.org/officeDocument/2006/math" xmlns="" val="1"/>
+              <ma14:wrappingTextBoxFlag xmlns="" xmlns:m="http://schemas.openxmlformats.org/officeDocument/2006/math" xmlns:a14="http://schemas.microsoft.com/office/drawing/2010/main" xmlns:ma14="http://schemas.microsoft.com/office/mac/drawingml/2011/main" val="1"/>
             </a:ext>
           </a:extLst>
         </p:spPr>
@@ -40637,7 +40579,7 @@
           </a:ln>
           <a:extLst>
             <a:ext uri="{C572A759-6A51-4108-AA02-DFA0A04FC94B}">
-              <ma14:wrappingTextBoxFlag xmlns:ma14="http://schemas.microsoft.com/office/mac/drawingml/2011/main" xmlns:a14="http://schemas.microsoft.com/office/drawing/2010/main" xmlns:m="http://schemas.openxmlformats.org/officeDocument/2006/math" xmlns="" val="1"/>
+              <ma14:wrappingTextBoxFlag xmlns="" xmlns:m="http://schemas.openxmlformats.org/officeDocument/2006/math" xmlns:a14="http://schemas.microsoft.com/office/drawing/2010/main" xmlns:ma14="http://schemas.microsoft.com/office/mac/drawingml/2011/main" val="1"/>
             </a:ext>
           </a:extLst>
         </p:spPr>
@@ -40683,7 +40625,7 @@
           </a:ln>
           <a:extLst>
             <a:ext uri="{C572A759-6A51-4108-AA02-DFA0A04FC94B}">
-              <ma14:wrappingTextBoxFlag xmlns:ma14="http://schemas.microsoft.com/office/mac/drawingml/2011/main" xmlns:a14="http://schemas.microsoft.com/office/drawing/2010/main" xmlns:m="http://schemas.openxmlformats.org/officeDocument/2006/math" xmlns="" val="1"/>
+              <ma14:wrappingTextBoxFlag xmlns="" xmlns:m="http://schemas.openxmlformats.org/officeDocument/2006/math" xmlns:a14="http://schemas.microsoft.com/office/drawing/2010/main" xmlns:ma14="http://schemas.microsoft.com/office/mac/drawingml/2011/main" val="1"/>
             </a:ext>
           </a:extLst>
         </p:spPr>
@@ -40729,7 +40671,7 @@
           </a:ln>
           <a:extLst>
             <a:ext uri="{C572A759-6A51-4108-AA02-DFA0A04FC94B}">
-              <ma14:wrappingTextBoxFlag xmlns:ma14="http://schemas.microsoft.com/office/mac/drawingml/2011/main" xmlns:a14="http://schemas.microsoft.com/office/drawing/2010/main" xmlns:m="http://schemas.openxmlformats.org/officeDocument/2006/math" xmlns="" val="1"/>
+              <ma14:wrappingTextBoxFlag xmlns="" xmlns:m="http://schemas.openxmlformats.org/officeDocument/2006/math" xmlns:a14="http://schemas.microsoft.com/office/drawing/2010/main" xmlns:ma14="http://schemas.microsoft.com/office/mac/drawingml/2011/main" val="1"/>
             </a:ext>
           </a:extLst>
         </p:spPr>
@@ -40775,7 +40717,7 @@
           </a:ln>
           <a:extLst>
             <a:ext uri="{C572A759-6A51-4108-AA02-DFA0A04FC94B}">
-              <ma14:wrappingTextBoxFlag xmlns:ma14="http://schemas.microsoft.com/office/mac/drawingml/2011/main" xmlns:a14="http://schemas.microsoft.com/office/drawing/2010/main" xmlns:m="http://schemas.openxmlformats.org/officeDocument/2006/math" xmlns="" val="1"/>
+              <ma14:wrappingTextBoxFlag xmlns="" xmlns:m="http://schemas.openxmlformats.org/officeDocument/2006/math" xmlns:a14="http://schemas.microsoft.com/office/drawing/2010/main" xmlns:ma14="http://schemas.microsoft.com/office/mac/drawingml/2011/main" val="1"/>
             </a:ext>
           </a:extLst>
         </p:spPr>
@@ -40824,7 +40766,7 @@
           </a:ln>
           <a:extLst>
             <a:ext uri="{C572A759-6A51-4108-AA02-DFA0A04FC94B}">
-              <ma14:wrappingTextBoxFlag xmlns:ma14="http://schemas.microsoft.com/office/mac/drawingml/2011/main" xmlns:a14="http://schemas.microsoft.com/office/drawing/2010/main" xmlns:m="http://schemas.openxmlformats.org/officeDocument/2006/math" xmlns="" val="1"/>
+              <ma14:wrappingTextBoxFlag xmlns="" xmlns:m="http://schemas.openxmlformats.org/officeDocument/2006/math" xmlns:a14="http://schemas.microsoft.com/office/drawing/2010/main" xmlns:ma14="http://schemas.microsoft.com/office/mac/drawingml/2011/main" val="1"/>
             </a:ext>
           </a:extLst>
         </p:spPr>
@@ -40877,7 +40819,7 @@
           </a:ln>
           <a:extLst>
             <a:ext uri="{C572A759-6A51-4108-AA02-DFA0A04FC94B}">
-              <ma14:wrappingTextBoxFlag xmlns:ma14="http://schemas.microsoft.com/office/mac/drawingml/2011/main" xmlns:a14="http://schemas.microsoft.com/office/drawing/2010/main" xmlns:m="http://schemas.openxmlformats.org/officeDocument/2006/math" xmlns="" val="1"/>
+              <ma14:wrappingTextBoxFlag xmlns="" xmlns:m="http://schemas.openxmlformats.org/officeDocument/2006/math" xmlns:a14="http://schemas.microsoft.com/office/drawing/2010/main" xmlns:ma14="http://schemas.microsoft.com/office/mac/drawingml/2011/main" val="1"/>
             </a:ext>
           </a:extLst>
         </p:spPr>
@@ -40955,7 +40897,7 @@
           </a:ln>
           <a:extLst>
             <a:ext uri="{C572A759-6A51-4108-AA02-DFA0A04FC94B}">
-              <ma14:wrappingTextBoxFlag xmlns:ma14="http://schemas.microsoft.com/office/mac/drawingml/2011/main" xmlns:a14="http://schemas.microsoft.com/office/drawing/2010/main" xmlns:m="http://schemas.openxmlformats.org/officeDocument/2006/math" xmlns="" val="1"/>
+              <ma14:wrappingTextBoxFlag xmlns="" xmlns:m="http://schemas.openxmlformats.org/officeDocument/2006/math" xmlns:a14="http://schemas.microsoft.com/office/drawing/2010/main" xmlns:ma14="http://schemas.microsoft.com/office/mac/drawingml/2011/main" val="1"/>
             </a:ext>
           </a:extLst>
         </p:spPr>
@@ -41001,7 +40943,7 @@
           </a:ln>
           <a:extLst>
             <a:ext uri="{C572A759-6A51-4108-AA02-DFA0A04FC94B}">
-              <ma14:wrappingTextBoxFlag xmlns:ma14="http://schemas.microsoft.com/office/mac/drawingml/2011/main" xmlns:a14="http://schemas.microsoft.com/office/drawing/2010/main" xmlns:m="http://schemas.openxmlformats.org/officeDocument/2006/math" xmlns="" val="1"/>
+              <ma14:wrappingTextBoxFlag xmlns="" xmlns:m="http://schemas.openxmlformats.org/officeDocument/2006/math" xmlns:a14="http://schemas.microsoft.com/office/drawing/2010/main" xmlns:ma14="http://schemas.microsoft.com/office/mac/drawingml/2011/main" val="1"/>
             </a:ext>
           </a:extLst>
         </p:spPr>
@@ -41047,7 +40989,7 @@
           </a:ln>
           <a:extLst>
             <a:ext uri="{C572A759-6A51-4108-AA02-DFA0A04FC94B}">
-              <ma14:wrappingTextBoxFlag xmlns:ma14="http://schemas.microsoft.com/office/mac/drawingml/2011/main" xmlns:a14="http://schemas.microsoft.com/office/drawing/2010/main" xmlns:m="http://schemas.openxmlformats.org/officeDocument/2006/math" xmlns="" val="1"/>
+              <ma14:wrappingTextBoxFlag xmlns="" xmlns:m="http://schemas.openxmlformats.org/officeDocument/2006/math" xmlns:a14="http://schemas.microsoft.com/office/drawing/2010/main" xmlns:ma14="http://schemas.microsoft.com/office/mac/drawingml/2011/main" val="1"/>
             </a:ext>
           </a:extLst>
         </p:spPr>
@@ -41093,7 +41035,7 @@
           </a:ln>
           <a:extLst>
             <a:ext uri="{C572A759-6A51-4108-AA02-DFA0A04FC94B}">
-              <ma14:wrappingTextBoxFlag xmlns:ma14="http://schemas.microsoft.com/office/mac/drawingml/2011/main" xmlns:a14="http://schemas.microsoft.com/office/drawing/2010/main" xmlns:m="http://schemas.openxmlformats.org/officeDocument/2006/math" xmlns="" val="1"/>
+              <ma14:wrappingTextBoxFlag xmlns="" xmlns:m="http://schemas.openxmlformats.org/officeDocument/2006/math" xmlns:a14="http://schemas.microsoft.com/office/drawing/2010/main" xmlns:ma14="http://schemas.microsoft.com/office/mac/drawingml/2011/main" val="1"/>
             </a:ext>
           </a:extLst>
         </p:spPr>
@@ -41139,7 +41081,7 @@
           </a:ln>
           <a:extLst>
             <a:ext uri="{C572A759-6A51-4108-AA02-DFA0A04FC94B}">
-              <ma14:wrappingTextBoxFlag xmlns:ma14="http://schemas.microsoft.com/office/mac/drawingml/2011/main" xmlns:a14="http://schemas.microsoft.com/office/drawing/2010/main" xmlns:m="http://schemas.openxmlformats.org/officeDocument/2006/math" xmlns="" val="1"/>
+              <ma14:wrappingTextBoxFlag xmlns="" xmlns:m="http://schemas.openxmlformats.org/officeDocument/2006/math" xmlns:a14="http://schemas.microsoft.com/office/drawing/2010/main" xmlns:ma14="http://schemas.microsoft.com/office/mac/drawingml/2011/main" val="1"/>
             </a:ext>
           </a:extLst>
         </p:spPr>
@@ -41185,7 +41127,7 @@
           </a:ln>
           <a:extLst>
             <a:ext uri="{C572A759-6A51-4108-AA02-DFA0A04FC94B}">
-              <ma14:wrappingTextBoxFlag xmlns:ma14="http://schemas.microsoft.com/office/mac/drawingml/2011/main" xmlns:a14="http://schemas.microsoft.com/office/drawing/2010/main" xmlns:m="http://schemas.openxmlformats.org/officeDocument/2006/math" xmlns="" val="1"/>
+              <ma14:wrappingTextBoxFlag xmlns="" xmlns:m="http://schemas.openxmlformats.org/officeDocument/2006/math" xmlns:a14="http://schemas.microsoft.com/office/drawing/2010/main" xmlns:ma14="http://schemas.microsoft.com/office/mac/drawingml/2011/main" val="1"/>
             </a:ext>
           </a:extLst>
         </p:spPr>
@@ -41407,7 +41349,7 @@
           </a:ln>
           <a:extLst>
             <a:ext uri="{C572A759-6A51-4108-AA02-DFA0A04FC94B}">
-              <ma14:wrappingTextBoxFlag xmlns:ma14="http://schemas.microsoft.com/office/mac/drawingml/2011/main" xmlns:a14="http://schemas.microsoft.com/office/drawing/2010/main" xmlns:m="http://schemas.openxmlformats.org/officeDocument/2006/math" xmlns="" val="1"/>
+              <ma14:wrappingTextBoxFlag xmlns="" xmlns:m="http://schemas.openxmlformats.org/officeDocument/2006/math" xmlns:a14="http://schemas.microsoft.com/office/drawing/2010/main" xmlns:ma14="http://schemas.microsoft.com/office/mac/drawingml/2011/main" val="1"/>
             </a:ext>
           </a:extLst>
         </p:spPr>
@@ -41480,7 +41422,7 @@
           </a:ln>
           <a:extLst>
             <a:ext uri="{C572A759-6A51-4108-AA02-DFA0A04FC94B}">
-              <ma14:wrappingTextBoxFlag xmlns:ma14="http://schemas.microsoft.com/office/mac/drawingml/2011/main" xmlns:a14="http://schemas.microsoft.com/office/drawing/2010/main" xmlns:m="http://schemas.openxmlformats.org/officeDocument/2006/math" xmlns="" val="1"/>
+              <ma14:wrappingTextBoxFlag xmlns="" xmlns:m="http://schemas.openxmlformats.org/officeDocument/2006/math" xmlns:a14="http://schemas.microsoft.com/office/drawing/2010/main" xmlns:ma14="http://schemas.microsoft.com/office/mac/drawingml/2011/main" val="1"/>
             </a:ext>
           </a:extLst>
         </p:spPr>
@@ -41602,7 +41544,7 @@
           </a:ln>
           <a:extLst>
             <a:ext uri="{C572A759-6A51-4108-AA02-DFA0A04FC94B}">
-              <ma14:wrappingTextBoxFlag xmlns:ma14="http://schemas.microsoft.com/office/mac/drawingml/2011/main" xmlns:a14="http://schemas.microsoft.com/office/drawing/2010/main" xmlns:m="http://schemas.openxmlformats.org/officeDocument/2006/math" xmlns="" val="1"/>
+              <ma14:wrappingTextBoxFlag xmlns="" xmlns:m="http://schemas.openxmlformats.org/officeDocument/2006/math" xmlns:a14="http://schemas.microsoft.com/office/drawing/2010/main" xmlns:ma14="http://schemas.microsoft.com/office/mac/drawingml/2011/main" val="1"/>
             </a:ext>
           </a:extLst>
         </p:spPr>
@@ -41724,7 +41666,7 @@
           </a:ln>
           <a:extLst>
             <a:ext uri="{C572A759-6A51-4108-AA02-DFA0A04FC94B}">
-              <ma14:wrappingTextBoxFlag xmlns:ma14="http://schemas.microsoft.com/office/mac/drawingml/2011/main" xmlns:a14="http://schemas.microsoft.com/office/drawing/2010/main" xmlns:m="http://schemas.openxmlformats.org/officeDocument/2006/math" xmlns="" val="1"/>
+              <ma14:wrappingTextBoxFlag xmlns="" xmlns:m="http://schemas.openxmlformats.org/officeDocument/2006/math" xmlns:a14="http://schemas.microsoft.com/office/drawing/2010/main" xmlns:ma14="http://schemas.microsoft.com/office/mac/drawingml/2011/main" val="1"/>
             </a:ext>
           </a:extLst>
         </p:spPr>
@@ -41851,7 +41793,7 @@
           </a:ln>
           <a:extLst>
             <a:ext uri="{C572A759-6A51-4108-AA02-DFA0A04FC94B}">
-              <ma14:wrappingTextBoxFlag xmlns:ma14="http://schemas.microsoft.com/office/mac/drawingml/2011/main" xmlns:a14="http://schemas.microsoft.com/office/drawing/2010/main" xmlns:m="http://schemas.openxmlformats.org/officeDocument/2006/math" xmlns="" val="1"/>
+              <ma14:wrappingTextBoxFlag xmlns="" xmlns:m="http://schemas.openxmlformats.org/officeDocument/2006/math" xmlns:a14="http://schemas.microsoft.com/office/drawing/2010/main" xmlns:ma14="http://schemas.microsoft.com/office/mac/drawingml/2011/main" val="1"/>
             </a:ext>
           </a:extLst>
         </p:spPr>
@@ -44036,7 +43978,7 @@
           </a:ln>
           <a:extLst>
             <a:ext uri="{C572A759-6A51-4108-AA02-DFA0A04FC94B}">
-              <ma14:wrappingTextBoxFlag xmlns:ma14="http://schemas.microsoft.com/office/mac/drawingml/2011/main" xmlns:a14="http://schemas.microsoft.com/office/drawing/2010/main" xmlns:m="http://schemas.openxmlformats.org/officeDocument/2006/math" xmlns="" val="1"/>
+              <ma14:wrappingTextBoxFlag xmlns="" xmlns:m="http://schemas.openxmlformats.org/officeDocument/2006/math" xmlns:a14="http://schemas.microsoft.com/office/drawing/2010/main" xmlns:ma14="http://schemas.microsoft.com/office/mac/drawingml/2011/main" val="1"/>
             </a:ext>
           </a:extLst>
         </p:spPr>
@@ -44085,7 +44027,7 @@
           </a:ln>
           <a:extLst>
             <a:ext uri="{C572A759-6A51-4108-AA02-DFA0A04FC94B}">
-              <ma14:wrappingTextBoxFlag xmlns:ma14="http://schemas.microsoft.com/office/mac/drawingml/2011/main" xmlns:a14="http://schemas.microsoft.com/office/drawing/2010/main" xmlns:m="http://schemas.openxmlformats.org/officeDocument/2006/math" xmlns="" val="1"/>
+              <ma14:wrappingTextBoxFlag xmlns="" xmlns:m="http://schemas.openxmlformats.org/officeDocument/2006/math" xmlns:a14="http://schemas.microsoft.com/office/drawing/2010/main" xmlns:ma14="http://schemas.microsoft.com/office/mac/drawingml/2011/main" val="1"/>
             </a:ext>
           </a:extLst>
         </p:spPr>
@@ -44134,7 +44076,7 @@
           </a:ln>
           <a:extLst>
             <a:ext uri="{C572A759-6A51-4108-AA02-DFA0A04FC94B}">
-              <ma14:wrappingTextBoxFlag xmlns:ma14="http://schemas.microsoft.com/office/mac/drawingml/2011/main" xmlns:a14="http://schemas.microsoft.com/office/drawing/2010/main" xmlns:m="http://schemas.openxmlformats.org/officeDocument/2006/math" xmlns="" val="1"/>
+              <ma14:wrappingTextBoxFlag xmlns="" xmlns:m="http://schemas.openxmlformats.org/officeDocument/2006/math" xmlns:a14="http://schemas.microsoft.com/office/drawing/2010/main" xmlns:ma14="http://schemas.microsoft.com/office/mac/drawingml/2011/main" val="1"/>
             </a:ext>
           </a:extLst>
         </p:spPr>
@@ -44218,7 +44160,7 @@
           </a:ln>
           <a:extLst>
             <a:ext uri="{C572A759-6A51-4108-AA02-DFA0A04FC94B}">
-              <ma14:wrappingTextBoxFlag xmlns:ma14="http://schemas.microsoft.com/office/mac/drawingml/2011/main" xmlns:a14="http://schemas.microsoft.com/office/drawing/2010/main" xmlns:m="http://schemas.openxmlformats.org/officeDocument/2006/math" xmlns="" val="1"/>
+              <ma14:wrappingTextBoxFlag xmlns="" xmlns:m="http://schemas.openxmlformats.org/officeDocument/2006/math" xmlns:a14="http://schemas.microsoft.com/office/drawing/2010/main" xmlns:ma14="http://schemas.microsoft.com/office/mac/drawingml/2011/main" val="1"/>
             </a:ext>
           </a:extLst>
         </p:spPr>
@@ -44267,7 +44209,7 @@
           </a:ln>
           <a:extLst>
             <a:ext uri="{C572A759-6A51-4108-AA02-DFA0A04FC94B}">
-              <ma14:wrappingTextBoxFlag xmlns:ma14="http://schemas.microsoft.com/office/mac/drawingml/2011/main" xmlns:a14="http://schemas.microsoft.com/office/drawing/2010/main" xmlns:m="http://schemas.openxmlformats.org/officeDocument/2006/math" xmlns="" val="1"/>
+              <ma14:wrappingTextBoxFlag xmlns="" xmlns:m="http://schemas.openxmlformats.org/officeDocument/2006/math" xmlns:a14="http://schemas.microsoft.com/office/drawing/2010/main" xmlns:ma14="http://schemas.microsoft.com/office/mac/drawingml/2011/main" val="1"/>
             </a:ext>
           </a:extLst>
         </p:spPr>
@@ -44351,7 +44293,7 @@
           </a:ln>
           <a:extLst>
             <a:ext uri="{C572A759-6A51-4108-AA02-DFA0A04FC94B}">
-              <ma14:wrappingTextBoxFlag xmlns:ma14="http://schemas.microsoft.com/office/mac/drawingml/2011/main" xmlns:a14="http://schemas.microsoft.com/office/drawing/2010/main" xmlns:m="http://schemas.openxmlformats.org/officeDocument/2006/math" xmlns="" val="1"/>
+              <ma14:wrappingTextBoxFlag xmlns="" xmlns:m="http://schemas.openxmlformats.org/officeDocument/2006/math" xmlns:a14="http://schemas.microsoft.com/office/drawing/2010/main" xmlns:ma14="http://schemas.microsoft.com/office/mac/drawingml/2011/main" val="1"/>
             </a:ext>
           </a:extLst>
         </p:spPr>
@@ -44400,7 +44342,7 @@
           </a:ln>
           <a:extLst>
             <a:ext uri="{C572A759-6A51-4108-AA02-DFA0A04FC94B}">
-              <ma14:wrappingTextBoxFlag xmlns:ma14="http://schemas.microsoft.com/office/mac/drawingml/2011/main" xmlns:a14="http://schemas.microsoft.com/office/drawing/2010/main" xmlns:m="http://schemas.openxmlformats.org/officeDocument/2006/math" xmlns="" val="1"/>
+              <ma14:wrappingTextBoxFlag xmlns="" xmlns:m="http://schemas.openxmlformats.org/officeDocument/2006/math" xmlns:a14="http://schemas.microsoft.com/office/drawing/2010/main" xmlns:ma14="http://schemas.microsoft.com/office/mac/drawingml/2011/main" val="1"/>
             </a:ext>
           </a:extLst>
         </p:spPr>
@@ -44484,7 +44426,7 @@
           </a:ln>
           <a:extLst>
             <a:ext uri="{C572A759-6A51-4108-AA02-DFA0A04FC94B}">
-              <ma14:wrappingTextBoxFlag xmlns:ma14="http://schemas.microsoft.com/office/mac/drawingml/2011/main" xmlns:a14="http://schemas.microsoft.com/office/drawing/2010/main" xmlns:m="http://schemas.openxmlformats.org/officeDocument/2006/math" xmlns="" val="1"/>
+              <ma14:wrappingTextBoxFlag xmlns="" xmlns:m="http://schemas.openxmlformats.org/officeDocument/2006/math" xmlns:a14="http://schemas.microsoft.com/office/drawing/2010/main" xmlns:ma14="http://schemas.microsoft.com/office/mac/drawingml/2011/main" val="1"/>
             </a:ext>
           </a:extLst>
         </p:spPr>
@@ -44568,7 +44510,7 @@
           </a:ln>
           <a:extLst>
             <a:ext uri="{C572A759-6A51-4108-AA02-DFA0A04FC94B}">
-              <ma14:wrappingTextBoxFlag xmlns:ma14="http://schemas.microsoft.com/office/mac/drawingml/2011/main" xmlns:a14="http://schemas.microsoft.com/office/drawing/2010/main" xmlns:m="http://schemas.openxmlformats.org/officeDocument/2006/math" xmlns="" val="1"/>
+              <ma14:wrappingTextBoxFlag xmlns="" xmlns:m="http://schemas.openxmlformats.org/officeDocument/2006/math" xmlns:a14="http://schemas.microsoft.com/office/drawing/2010/main" xmlns:ma14="http://schemas.microsoft.com/office/mac/drawingml/2011/main" val="1"/>
             </a:ext>
           </a:extLst>
         </p:spPr>
@@ -44644,7 +44586,7 @@
           </a:ln>
           <a:extLst>
             <a:ext uri="{C572A759-6A51-4108-AA02-DFA0A04FC94B}">
-              <ma14:wrappingTextBoxFlag xmlns:ma14="http://schemas.microsoft.com/office/mac/drawingml/2011/main" xmlns:a14="http://schemas.microsoft.com/office/drawing/2010/main" xmlns:m="http://schemas.openxmlformats.org/officeDocument/2006/math" xmlns="" val="1"/>
+              <ma14:wrappingTextBoxFlag xmlns="" xmlns:m="http://schemas.openxmlformats.org/officeDocument/2006/math" xmlns:a14="http://schemas.microsoft.com/office/drawing/2010/main" xmlns:ma14="http://schemas.microsoft.com/office/mac/drawingml/2011/main" val="1"/>
             </a:ext>
           </a:extLst>
         </p:spPr>
@@ -44740,7 +44682,7 @@
           </a:ln>
           <a:extLst>
             <a:ext uri="{C572A759-6A51-4108-AA02-DFA0A04FC94B}">
-              <ma14:wrappingTextBoxFlag xmlns:ma14="http://schemas.microsoft.com/office/mac/drawingml/2011/main" xmlns:a14="http://schemas.microsoft.com/office/drawing/2010/main" xmlns:m="http://schemas.openxmlformats.org/officeDocument/2006/math" xmlns="" val="1"/>
+              <ma14:wrappingTextBoxFlag xmlns="" xmlns:m="http://schemas.openxmlformats.org/officeDocument/2006/math" xmlns:a14="http://schemas.microsoft.com/office/drawing/2010/main" xmlns:ma14="http://schemas.microsoft.com/office/mac/drawingml/2011/main" val="1"/>
             </a:ext>
           </a:extLst>
         </p:spPr>
@@ -44786,7 +44728,7 @@
           </a:ln>
           <a:extLst>
             <a:ext uri="{C572A759-6A51-4108-AA02-DFA0A04FC94B}">
-              <ma14:wrappingTextBoxFlag xmlns:ma14="http://schemas.microsoft.com/office/mac/drawingml/2011/main" xmlns:a14="http://schemas.microsoft.com/office/drawing/2010/main" xmlns:m="http://schemas.openxmlformats.org/officeDocument/2006/math" xmlns="" val="1"/>
+              <ma14:wrappingTextBoxFlag xmlns="" xmlns:m="http://schemas.openxmlformats.org/officeDocument/2006/math" xmlns:a14="http://schemas.microsoft.com/office/drawing/2010/main" xmlns:ma14="http://schemas.microsoft.com/office/mac/drawingml/2011/main" val="1"/>
             </a:ext>
           </a:extLst>
         </p:spPr>
@@ -44832,7 +44774,7 @@
           </a:ln>
           <a:extLst>
             <a:ext uri="{C572A759-6A51-4108-AA02-DFA0A04FC94B}">
-              <ma14:wrappingTextBoxFlag xmlns:ma14="http://schemas.microsoft.com/office/mac/drawingml/2011/main" xmlns:a14="http://schemas.microsoft.com/office/drawing/2010/main" xmlns:m="http://schemas.openxmlformats.org/officeDocument/2006/math" xmlns="" val="1"/>
+              <ma14:wrappingTextBoxFlag xmlns="" xmlns:m="http://schemas.openxmlformats.org/officeDocument/2006/math" xmlns:a14="http://schemas.microsoft.com/office/drawing/2010/main" xmlns:ma14="http://schemas.microsoft.com/office/mac/drawingml/2011/main" val="1"/>
             </a:ext>
           </a:extLst>
         </p:spPr>
@@ -44878,7 +44820,7 @@
           </a:ln>
           <a:extLst>
             <a:ext uri="{C572A759-6A51-4108-AA02-DFA0A04FC94B}">
-              <ma14:wrappingTextBoxFlag xmlns:ma14="http://schemas.microsoft.com/office/mac/drawingml/2011/main" xmlns:a14="http://schemas.microsoft.com/office/drawing/2010/main" xmlns:m="http://schemas.openxmlformats.org/officeDocument/2006/math" xmlns="" val="1"/>
+              <ma14:wrappingTextBoxFlag xmlns="" xmlns:m="http://schemas.openxmlformats.org/officeDocument/2006/math" xmlns:a14="http://schemas.microsoft.com/office/drawing/2010/main" xmlns:ma14="http://schemas.microsoft.com/office/mac/drawingml/2011/main" val="1"/>
             </a:ext>
           </a:extLst>
         </p:spPr>
@@ -44924,7 +44866,7 @@
           </a:ln>
           <a:extLst>
             <a:ext uri="{C572A759-6A51-4108-AA02-DFA0A04FC94B}">
-              <ma14:wrappingTextBoxFlag xmlns:ma14="http://schemas.microsoft.com/office/mac/drawingml/2011/main" xmlns:a14="http://schemas.microsoft.com/office/drawing/2010/main" xmlns:m="http://schemas.openxmlformats.org/officeDocument/2006/math" xmlns="" val="1"/>
+              <ma14:wrappingTextBoxFlag xmlns="" xmlns:m="http://schemas.openxmlformats.org/officeDocument/2006/math" xmlns:a14="http://schemas.microsoft.com/office/drawing/2010/main" xmlns:ma14="http://schemas.microsoft.com/office/mac/drawingml/2011/main" val="1"/>
             </a:ext>
           </a:extLst>
         </p:spPr>
@@ -44970,7 +44912,7 @@
           </a:ln>
           <a:extLst>
             <a:ext uri="{C572A759-6A51-4108-AA02-DFA0A04FC94B}">
-              <ma14:wrappingTextBoxFlag xmlns:ma14="http://schemas.microsoft.com/office/mac/drawingml/2011/main" xmlns:a14="http://schemas.microsoft.com/office/drawing/2010/main" xmlns:m="http://schemas.openxmlformats.org/officeDocument/2006/math" xmlns="" val="1"/>
+              <ma14:wrappingTextBoxFlag xmlns="" xmlns:m="http://schemas.openxmlformats.org/officeDocument/2006/math" xmlns:a14="http://schemas.microsoft.com/office/drawing/2010/main" xmlns:ma14="http://schemas.microsoft.com/office/mac/drawingml/2011/main" val="1"/>
             </a:ext>
           </a:extLst>
         </p:spPr>
@@ -45019,7 +44961,7 @@
           </a:ln>
           <a:extLst>
             <a:ext uri="{C572A759-6A51-4108-AA02-DFA0A04FC94B}">
-              <ma14:wrappingTextBoxFlag xmlns:ma14="http://schemas.microsoft.com/office/mac/drawingml/2011/main" xmlns:a14="http://schemas.microsoft.com/office/drawing/2010/main" xmlns:m="http://schemas.openxmlformats.org/officeDocument/2006/math" xmlns="" val="1"/>
+              <ma14:wrappingTextBoxFlag xmlns="" xmlns:m="http://schemas.openxmlformats.org/officeDocument/2006/math" xmlns:a14="http://schemas.microsoft.com/office/drawing/2010/main" xmlns:ma14="http://schemas.microsoft.com/office/mac/drawingml/2011/main" val="1"/>
             </a:ext>
           </a:extLst>
         </p:spPr>
@@ -45072,7 +45014,7 @@
           </a:ln>
           <a:extLst>
             <a:ext uri="{C572A759-6A51-4108-AA02-DFA0A04FC94B}">
-              <ma14:wrappingTextBoxFlag xmlns:ma14="http://schemas.microsoft.com/office/mac/drawingml/2011/main" xmlns:a14="http://schemas.microsoft.com/office/drawing/2010/main" xmlns:m="http://schemas.openxmlformats.org/officeDocument/2006/math" xmlns="" val="1"/>
+              <ma14:wrappingTextBoxFlag xmlns="" xmlns:m="http://schemas.openxmlformats.org/officeDocument/2006/math" xmlns:a14="http://schemas.microsoft.com/office/drawing/2010/main" xmlns:ma14="http://schemas.microsoft.com/office/mac/drawingml/2011/main" val="1"/>
             </a:ext>
           </a:extLst>
         </p:spPr>
@@ -45150,7 +45092,7 @@
           </a:ln>
           <a:extLst>
             <a:ext uri="{C572A759-6A51-4108-AA02-DFA0A04FC94B}">
-              <ma14:wrappingTextBoxFlag xmlns:ma14="http://schemas.microsoft.com/office/mac/drawingml/2011/main" xmlns:a14="http://schemas.microsoft.com/office/drawing/2010/main" xmlns:m="http://schemas.openxmlformats.org/officeDocument/2006/math" xmlns="" val="1"/>
+              <ma14:wrappingTextBoxFlag xmlns="" xmlns:m="http://schemas.openxmlformats.org/officeDocument/2006/math" xmlns:a14="http://schemas.microsoft.com/office/drawing/2010/main" xmlns:ma14="http://schemas.microsoft.com/office/mac/drawingml/2011/main" val="1"/>
             </a:ext>
           </a:extLst>
         </p:spPr>
@@ -45196,7 +45138,7 @@
           </a:ln>
           <a:extLst>
             <a:ext uri="{C572A759-6A51-4108-AA02-DFA0A04FC94B}">
-              <ma14:wrappingTextBoxFlag xmlns:ma14="http://schemas.microsoft.com/office/mac/drawingml/2011/main" xmlns:a14="http://schemas.microsoft.com/office/drawing/2010/main" xmlns:m="http://schemas.openxmlformats.org/officeDocument/2006/math" xmlns="" val="1"/>
+              <ma14:wrappingTextBoxFlag xmlns="" xmlns:m="http://schemas.openxmlformats.org/officeDocument/2006/math" xmlns:a14="http://schemas.microsoft.com/office/drawing/2010/main" xmlns:ma14="http://schemas.microsoft.com/office/mac/drawingml/2011/main" val="1"/>
             </a:ext>
           </a:extLst>
         </p:spPr>
@@ -45242,7 +45184,7 @@
           </a:ln>
           <a:extLst>
             <a:ext uri="{C572A759-6A51-4108-AA02-DFA0A04FC94B}">
-              <ma14:wrappingTextBoxFlag xmlns:ma14="http://schemas.microsoft.com/office/mac/drawingml/2011/main" xmlns:a14="http://schemas.microsoft.com/office/drawing/2010/main" xmlns:m="http://schemas.openxmlformats.org/officeDocument/2006/math" xmlns="" val="1"/>
+              <ma14:wrappingTextBoxFlag xmlns="" xmlns:m="http://schemas.openxmlformats.org/officeDocument/2006/math" xmlns:a14="http://schemas.microsoft.com/office/drawing/2010/main" xmlns:ma14="http://schemas.microsoft.com/office/mac/drawingml/2011/main" val="1"/>
             </a:ext>
           </a:extLst>
         </p:spPr>
@@ -45288,7 +45230,7 @@
           </a:ln>
           <a:extLst>
             <a:ext uri="{C572A759-6A51-4108-AA02-DFA0A04FC94B}">
-              <ma14:wrappingTextBoxFlag xmlns:ma14="http://schemas.microsoft.com/office/mac/drawingml/2011/main" xmlns:a14="http://schemas.microsoft.com/office/drawing/2010/main" xmlns:m="http://schemas.openxmlformats.org/officeDocument/2006/math" xmlns="" val="1"/>
+              <ma14:wrappingTextBoxFlag xmlns="" xmlns:m="http://schemas.openxmlformats.org/officeDocument/2006/math" xmlns:a14="http://schemas.microsoft.com/office/drawing/2010/main" xmlns:ma14="http://schemas.microsoft.com/office/mac/drawingml/2011/main" val="1"/>
             </a:ext>
           </a:extLst>
         </p:spPr>
@@ -45334,7 +45276,7 @@
           </a:ln>
           <a:extLst>
             <a:ext uri="{C572A759-6A51-4108-AA02-DFA0A04FC94B}">
-              <ma14:wrappingTextBoxFlag xmlns:ma14="http://schemas.microsoft.com/office/mac/drawingml/2011/main" xmlns:a14="http://schemas.microsoft.com/office/drawing/2010/main" xmlns:m="http://schemas.openxmlformats.org/officeDocument/2006/math" xmlns="" val="1"/>
+              <ma14:wrappingTextBoxFlag xmlns="" xmlns:m="http://schemas.openxmlformats.org/officeDocument/2006/math" xmlns:a14="http://schemas.microsoft.com/office/drawing/2010/main" xmlns:ma14="http://schemas.microsoft.com/office/mac/drawingml/2011/main" val="1"/>
             </a:ext>
           </a:extLst>
         </p:spPr>
@@ -45380,7 +45322,7 @@
           </a:ln>
           <a:extLst>
             <a:ext uri="{C572A759-6A51-4108-AA02-DFA0A04FC94B}">
-              <ma14:wrappingTextBoxFlag xmlns:ma14="http://schemas.microsoft.com/office/mac/drawingml/2011/main" xmlns:a14="http://schemas.microsoft.com/office/drawing/2010/main" xmlns:m="http://schemas.openxmlformats.org/officeDocument/2006/math" xmlns="" val="1"/>
+              <ma14:wrappingTextBoxFlag xmlns="" xmlns:m="http://schemas.openxmlformats.org/officeDocument/2006/math" xmlns:a14="http://schemas.microsoft.com/office/drawing/2010/main" xmlns:ma14="http://schemas.microsoft.com/office/mac/drawingml/2011/main" val="1"/>
             </a:ext>
           </a:extLst>
         </p:spPr>
@@ -45559,7 +45501,7 @@
           </a:ln>
           <a:extLst>
             <a:ext uri="{C572A759-6A51-4108-AA02-DFA0A04FC94B}">
-              <ma14:wrappingTextBoxFlag xmlns:ma14="http://schemas.microsoft.com/office/mac/drawingml/2011/main" xmlns:a14="http://schemas.microsoft.com/office/drawing/2010/main" xmlns:m="http://schemas.openxmlformats.org/officeDocument/2006/math" xmlns="" val="1"/>
+              <ma14:wrappingTextBoxFlag xmlns="" xmlns:m="http://schemas.openxmlformats.org/officeDocument/2006/math" xmlns:a14="http://schemas.microsoft.com/office/drawing/2010/main" xmlns:ma14="http://schemas.microsoft.com/office/mac/drawingml/2011/main" val="1"/>
             </a:ext>
           </a:extLst>
         </p:spPr>
@@ -46167,7 +46109,7 @@
           </a:ln>
           <a:extLst>
             <a:ext uri="{C572A759-6A51-4108-AA02-DFA0A04FC94B}">
-              <ma14:wrappingTextBoxFlag xmlns:ma14="http://schemas.microsoft.com/office/mac/drawingml/2011/main" xmlns:a14="http://schemas.microsoft.com/office/drawing/2010/main" xmlns:m="http://schemas.openxmlformats.org/officeDocument/2006/math" xmlns="" val="1"/>
+              <ma14:wrappingTextBoxFlag xmlns="" xmlns:m="http://schemas.openxmlformats.org/officeDocument/2006/math" xmlns:a14="http://schemas.microsoft.com/office/drawing/2010/main" xmlns:ma14="http://schemas.microsoft.com/office/mac/drawingml/2011/main" val="1"/>
             </a:ext>
           </a:extLst>
         </p:spPr>
@@ -46775,7 +46717,7 @@
           </a:ln>
           <a:extLst>
             <a:ext uri="{C572A759-6A51-4108-AA02-DFA0A04FC94B}">
-              <ma14:wrappingTextBoxFlag xmlns:ma14="http://schemas.microsoft.com/office/mac/drawingml/2011/main" xmlns:a14="http://schemas.microsoft.com/office/drawing/2010/main" xmlns:m="http://schemas.openxmlformats.org/officeDocument/2006/math" xmlns="" val="1"/>
+              <ma14:wrappingTextBoxFlag xmlns="" xmlns:m="http://schemas.openxmlformats.org/officeDocument/2006/math" xmlns:a14="http://schemas.microsoft.com/office/drawing/2010/main" xmlns:ma14="http://schemas.microsoft.com/office/mac/drawingml/2011/main" val="1"/>
             </a:ext>
           </a:extLst>
         </p:spPr>
